--- a/ModelisationMultiphysique/Documentation/Figures.pptx
+++ b/ModelisationMultiphysique/Documentation/Figures.pptx
@@ -6,6 +6,8 @@
   </p:sldMasterIdLst>
   <p:sldIdLst>
     <p:sldId id="256" r:id="rId2"/>
+    <p:sldId id="257" r:id="rId3"/>
+    <p:sldId id="258" r:id="rId4"/>
   </p:sldIdLst>
   <p:sldSz cx="9144000" cy="6858000" type="screen4x3"/>
   <p:notesSz cx="6858000" cy="9144000"/>
@@ -288,7 +290,8 @@
           <a:p>
             <a:fld id="{AA309A6D-C09C-4548-B29A-6CF363A7E532}" type="datetimeFigureOut">
               <a:rPr lang="fr-FR" smtClean="0"/>
-              <a:t>30/01/2014</a:t>
+              <a:pPr/>
+              <a:t>05/02/2014</a:t>
             </a:fld>
             <a:endParaRPr lang="fr-BE"/>
           </a:p>
@@ -330,6 +333,7 @@
           <a:p>
             <a:fld id="{CF4668DC-857F-487D-BFFA-8C0CA5037977}" type="slidenum">
               <a:rPr lang="fr-BE" smtClean="0"/>
+              <a:pPr/>
               <a:t>‹N°›</a:t>
             </a:fld>
             <a:endParaRPr lang="fr-BE"/>
@@ -453,7 +457,8 @@
           <a:p>
             <a:fld id="{AA309A6D-C09C-4548-B29A-6CF363A7E532}" type="datetimeFigureOut">
               <a:rPr lang="fr-FR" smtClean="0"/>
-              <a:t>30/01/2014</a:t>
+              <a:pPr/>
+              <a:t>05/02/2014</a:t>
             </a:fld>
             <a:endParaRPr lang="fr-BE"/>
           </a:p>
@@ -495,6 +500,7 @@
           <a:p>
             <a:fld id="{CF4668DC-857F-487D-BFFA-8C0CA5037977}" type="slidenum">
               <a:rPr lang="fr-BE" smtClean="0"/>
+              <a:pPr/>
               <a:t>‹N°›</a:t>
             </a:fld>
             <a:endParaRPr lang="fr-BE"/>
@@ -628,7 +634,8 @@
           <a:p>
             <a:fld id="{AA309A6D-C09C-4548-B29A-6CF363A7E532}" type="datetimeFigureOut">
               <a:rPr lang="fr-FR" smtClean="0"/>
-              <a:t>30/01/2014</a:t>
+              <a:pPr/>
+              <a:t>05/02/2014</a:t>
             </a:fld>
             <a:endParaRPr lang="fr-BE"/>
           </a:p>
@@ -670,6 +677,7 @@
           <a:p>
             <a:fld id="{CF4668DC-857F-487D-BFFA-8C0CA5037977}" type="slidenum">
               <a:rPr lang="fr-BE" smtClean="0"/>
+              <a:pPr/>
               <a:t>‹N°›</a:t>
             </a:fld>
             <a:endParaRPr lang="fr-BE"/>
@@ -793,7 +801,8 @@
           <a:p>
             <a:fld id="{AA309A6D-C09C-4548-B29A-6CF363A7E532}" type="datetimeFigureOut">
               <a:rPr lang="fr-FR" smtClean="0"/>
-              <a:t>30/01/2014</a:t>
+              <a:pPr/>
+              <a:t>05/02/2014</a:t>
             </a:fld>
             <a:endParaRPr lang="fr-BE"/>
           </a:p>
@@ -835,6 +844,7 @@
           <a:p>
             <a:fld id="{CF4668DC-857F-487D-BFFA-8C0CA5037977}" type="slidenum">
               <a:rPr lang="fr-BE" smtClean="0"/>
+              <a:pPr/>
               <a:t>‹N°›</a:t>
             </a:fld>
             <a:endParaRPr lang="fr-BE"/>
@@ -1034,7 +1044,8 @@
           <a:p>
             <a:fld id="{AA309A6D-C09C-4548-B29A-6CF363A7E532}" type="datetimeFigureOut">
               <a:rPr lang="fr-FR" smtClean="0"/>
-              <a:t>30/01/2014</a:t>
+              <a:pPr/>
+              <a:t>05/02/2014</a:t>
             </a:fld>
             <a:endParaRPr lang="fr-BE"/>
           </a:p>
@@ -1076,6 +1087,7 @@
           <a:p>
             <a:fld id="{CF4668DC-857F-487D-BFFA-8C0CA5037977}" type="slidenum">
               <a:rPr lang="fr-BE" smtClean="0"/>
+              <a:pPr/>
               <a:t>‹N°›</a:t>
             </a:fld>
             <a:endParaRPr lang="fr-BE"/>
@@ -1317,7 +1329,8 @@
           <a:p>
             <a:fld id="{AA309A6D-C09C-4548-B29A-6CF363A7E532}" type="datetimeFigureOut">
               <a:rPr lang="fr-FR" smtClean="0"/>
-              <a:t>30/01/2014</a:t>
+              <a:pPr/>
+              <a:t>05/02/2014</a:t>
             </a:fld>
             <a:endParaRPr lang="fr-BE"/>
           </a:p>
@@ -1359,6 +1372,7 @@
           <a:p>
             <a:fld id="{CF4668DC-857F-487D-BFFA-8C0CA5037977}" type="slidenum">
               <a:rPr lang="fr-BE" smtClean="0"/>
+              <a:pPr/>
               <a:t>‹N°›</a:t>
             </a:fld>
             <a:endParaRPr lang="fr-BE"/>
@@ -1734,7 +1748,8 @@
           <a:p>
             <a:fld id="{AA309A6D-C09C-4548-B29A-6CF363A7E532}" type="datetimeFigureOut">
               <a:rPr lang="fr-FR" smtClean="0"/>
-              <a:t>30/01/2014</a:t>
+              <a:pPr/>
+              <a:t>05/02/2014</a:t>
             </a:fld>
             <a:endParaRPr lang="fr-BE"/>
           </a:p>
@@ -1776,6 +1791,7 @@
           <a:p>
             <a:fld id="{CF4668DC-857F-487D-BFFA-8C0CA5037977}" type="slidenum">
               <a:rPr lang="fr-BE" smtClean="0"/>
+              <a:pPr/>
               <a:t>‹N°›</a:t>
             </a:fld>
             <a:endParaRPr lang="fr-BE"/>
@@ -1847,7 +1863,8 @@
           <a:p>
             <a:fld id="{AA309A6D-C09C-4548-B29A-6CF363A7E532}" type="datetimeFigureOut">
               <a:rPr lang="fr-FR" smtClean="0"/>
-              <a:t>30/01/2014</a:t>
+              <a:pPr/>
+              <a:t>05/02/2014</a:t>
             </a:fld>
             <a:endParaRPr lang="fr-BE"/>
           </a:p>
@@ -1889,6 +1906,7 @@
           <a:p>
             <a:fld id="{CF4668DC-857F-487D-BFFA-8C0CA5037977}" type="slidenum">
               <a:rPr lang="fr-BE" smtClean="0"/>
+              <a:pPr/>
               <a:t>‹N°›</a:t>
             </a:fld>
             <a:endParaRPr lang="fr-BE"/>
@@ -1937,7 +1955,8 @@
           <a:p>
             <a:fld id="{AA309A6D-C09C-4548-B29A-6CF363A7E532}" type="datetimeFigureOut">
               <a:rPr lang="fr-FR" smtClean="0"/>
-              <a:t>30/01/2014</a:t>
+              <a:pPr/>
+              <a:t>05/02/2014</a:t>
             </a:fld>
             <a:endParaRPr lang="fr-BE"/>
           </a:p>
@@ -1979,6 +1998,7 @@
           <a:p>
             <a:fld id="{CF4668DC-857F-487D-BFFA-8C0CA5037977}" type="slidenum">
               <a:rPr lang="fr-BE" smtClean="0"/>
+              <a:pPr/>
               <a:t>‹N°›</a:t>
             </a:fld>
             <a:endParaRPr lang="fr-BE"/>
@@ -2209,7 +2229,8 @@
           <a:p>
             <a:fld id="{AA309A6D-C09C-4548-B29A-6CF363A7E532}" type="datetimeFigureOut">
               <a:rPr lang="fr-FR" smtClean="0"/>
-              <a:t>30/01/2014</a:t>
+              <a:pPr/>
+              <a:t>05/02/2014</a:t>
             </a:fld>
             <a:endParaRPr lang="fr-BE"/>
           </a:p>
@@ -2251,6 +2272,7 @@
           <a:p>
             <a:fld id="{CF4668DC-857F-487D-BFFA-8C0CA5037977}" type="slidenum">
               <a:rPr lang="fr-BE" smtClean="0"/>
+              <a:pPr/>
               <a:t>‹N°›</a:t>
             </a:fld>
             <a:endParaRPr lang="fr-BE"/>
@@ -2457,7 +2479,8 @@
           <a:p>
             <a:fld id="{AA309A6D-C09C-4548-B29A-6CF363A7E532}" type="datetimeFigureOut">
               <a:rPr lang="fr-FR" smtClean="0"/>
-              <a:t>30/01/2014</a:t>
+              <a:pPr/>
+              <a:t>05/02/2014</a:t>
             </a:fld>
             <a:endParaRPr lang="fr-BE"/>
           </a:p>
@@ -2499,6 +2522,7 @@
           <a:p>
             <a:fld id="{CF4668DC-857F-487D-BFFA-8C0CA5037977}" type="slidenum">
               <a:rPr lang="fr-BE" smtClean="0"/>
+              <a:pPr/>
               <a:t>‹N°›</a:t>
             </a:fld>
             <a:endParaRPr lang="fr-BE"/>
@@ -2665,7 +2689,8 @@
           <a:p>
             <a:fld id="{AA309A6D-C09C-4548-B29A-6CF363A7E532}" type="datetimeFigureOut">
               <a:rPr lang="fr-FR" smtClean="0"/>
-              <a:t>30/01/2014</a:t>
+              <a:pPr/>
+              <a:t>05/02/2014</a:t>
             </a:fld>
             <a:endParaRPr lang="fr-BE"/>
           </a:p>
@@ -2743,6 +2768,7 @@
           <a:p>
             <a:fld id="{CF4668DC-857F-487D-BFFA-8C0CA5037977}" type="slidenum">
               <a:rPr lang="fr-BE" smtClean="0"/>
+              <a:pPr/>
               <a:t>‹N°›</a:t>
             </a:fld>
             <a:endParaRPr lang="fr-BE"/>
@@ -3985,7 +4011,7 @@
         </p:style>
       </p:cxnSp>
       <mc:AlternateContent xmlns:mc="http://schemas.openxmlformats.org/markup-compatibility/2006">
-        <mc:Choice xmlns:a14="http://schemas.microsoft.com/office/drawing/2010/main" Requires="a14">
+        <mc:Choice xmlns:a14="http://schemas.microsoft.com/office/drawing/2010/main" xmlns="" Requires="a14">
           <p:sp>
             <p:nvSpPr>
               <p:cNvPr id="28" name="ZoneTexte 27"/>
@@ -4087,7 +4113,7 @@
         </mc:Fallback>
       </mc:AlternateContent>
       <mc:AlternateContent xmlns:mc="http://schemas.openxmlformats.org/markup-compatibility/2006">
-        <mc:Choice xmlns:a14="http://schemas.microsoft.com/office/drawing/2010/main" Requires="a14">
+        <mc:Choice xmlns:a14="http://schemas.microsoft.com/office/drawing/2010/main" xmlns="" Requires="a14">
           <p:sp>
             <p:nvSpPr>
               <p:cNvPr id="29" name="ZoneTexte 28"/>
@@ -4171,7 +4197,7 @@
         </mc:Fallback>
       </mc:AlternateContent>
       <mc:AlternateContent xmlns:mc="http://schemas.openxmlformats.org/markup-compatibility/2006">
-        <mc:Choice xmlns:a14="http://schemas.microsoft.com/office/drawing/2010/main" Requires="a14">
+        <mc:Choice xmlns:a14="http://schemas.microsoft.com/office/drawing/2010/main" xmlns="" Requires="a14">
           <p:sp>
             <p:nvSpPr>
               <p:cNvPr id="30" name="ZoneTexte 29"/>
@@ -4291,7 +4317,7 @@
         </p:style>
       </p:cxnSp>
       <mc:AlternateContent xmlns:mc="http://schemas.openxmlformats.org/markup-compatibility/2006">
-        <mc:Choice xmlns:a14="http://schemas.microsoft.com/office/drawing/2010/main" Requires="a14">
+        <mc:Choice xmlns:a14="http://schemas.microsoft.com/office/drawing/2010/main" xmlns="" Requires="a14">
           <p:sp>
             <p:nvSpPr>
               <p:cNvPr id="32" name="ZoneTexte 31"/>
@@ -4393,7 +4419,7 @@
         </mc:Fallback>
       </mc:AlternateContent>
       <mc:AlternateContent xmlns:mc="http://schemas.openxmlformats.org/markup-compatibility/2006">
-        <mc:Choice xmlns:a14="http://schemas.microsoft.com/office/drawing/2010/main" Requires="a14">
+        <mc:Choice xmlns:a14="http://schemas.microsoft.com/office/drawing/2010/main" xmlns="" Requires="a14">
           <p:sp>
             <p:nvSpPr>
               <p:cNvPr id="33" name="ZoneTexte 32"/>
@@ -4531,7 +4557,7 @@
         </p:style>
       </p:cxnSp>
       <mc:AlternateContent xmlns:mc="http://schemas.openxmlformats.org/markup-compatibility/2006">
-        <mc:Choice xmlns:a14="http://schemas.microsoft.com/office/drawing/2010/main" Requires="a14">
+        <mc:Choice xmlns:a14="http://schemas.microsoft.com/office/drawing/2010/main" xmlns="" Requires="a14">
           <p:sp>
             <p:nvSpPr>
               <p:cNvPr id="35" name="ZoneTexte 34"/>
@@ -4615,7 +4641,7 @@
         </mc:Fallback>
       </mc:AlternateContent>
       <mc:AlternateContent xmlns:mc="http://schemas.openxmlformats.org/markup-compatibility/2006">
-        <mc:Choice xmlns:a14="http://schemas.microsoft.com/office/drawing/2010/main" Requires="a14">
+        <mc:Choice xmlns:a14="http://schemas.microsoft.com/office/drawing/2010/main" xmlns="" Requires="a14">
           <p:sp>
             <p:nvSpPr>
               <p:cNvPr id="36" name="ZoneTexte 35"/>
@@ -4784,7 +4810,7 @@
         </mc:Fallback>
       </mc:AlternateContent>
       <mc:AlternateContent xmlns:mc="http://schemas.openxmlformats.org/markup-compatibility/2006">
-        <mc:Choice xmlns:a14="http://schemas.microsoft.com/office/drawing/2010/main" Requires="a14">
+        <mc:Choice xmlns:a14="http://schemas.microsoft.com/office/drawing/2010/main" xmlns="" Requires="a14">
           <p:sp>
             <p:nvSpPr>
               <p:cNvPr id="37" name="ZoneTexte 36"/>
@@ -5831,7 +5857,7 @@
           </p:style>
         </p:cxnSp>
         <mc:AlternateContent xmlns:mc="http://schemas.openxmlformats.org/markup-compatibility/2006">
-          <mc:Choice xmlns:a14="http://schemas.microsoft.com/office/drawing/2010/main" Requires="a14">
+          <mc:Choice xmlns:a14="http://schemas.microsoft.com/office/drawing/2010/main" xmlns="" Requires="a14">
             <p:sp>
               <p:nvSpPr>
                 <p:cNvPr id="62" name="ZoneTexte 61"/>
@@ -5933,7 +5959,7 @@
           </mc:Fallback>
         </mc:AlternateContent>
         <mc:AlternateContent xmlns:mc="http://schemas.openxmlformats.org/markup-compatibility/2006">
-          <mc:Choice xmlns:a14="http://schemas.microsoft.com/office/drawing/2010/main" Requires="a14">
+          <mc:Choice xmlns:a14="http://schemas.microsoft.com/office/drawing/2010/main" xmlns="" Requires="a14">
             <p:sp>
               <p:nvSpPr>
                 <p:cNvPr id="63" name="ZoneTexte 62"/>
@@ -6017,7 +6043,7 @@
           </mc:Fallback>
         </mc:AlternateContent>
         <mc:AlternateContent xmlns:mc="http://schemas.openxmlformats.org/markup-compatibility/2006">
-          <mc:Choice xmlns:a14="http://schemas.microsoft.com/office/drawing/2010/main" Requires="a14">
+          <mc:Choice xmlns:a14="http://schemas.microsoft.com/office/drawing/2010/main" xmlns="" Requires="a14">
             <p:sp>
               <p:nvSpPr>
                 <p:cNvPr id="64" name="ZoneTexte 63"/>
@@ -6375,7 +6401,7 @@
           </p:style>
         </p:cxnSp>
         <mc:AlternateContent xmlns:mc="http://schemas.openxmlformats.org/markup-compatibility/2006">
-          <mc:Choice xmlns:a14="http://schemas.microsoft.com/office/drawing/2010/main" Requires="a14">
+          <mc:Choice xmlns:a14="http://schemas.microsoft.com/office/drawing/2010/main" xmlns="" Requires="a14">
             <p:sp>
               <p:nvSpPr>
                 <p:cNvPr id="66" name="ZoneTexte 65"/>
@@ -6477,7 +6503,7 @@
           </mc:Fallback>
         </mc:AlternateContent>
         <mc:AlternateContent xmlns:mc="http://schemas.openxmlformats.org/markup-compatibility/2006">
-          <mc:Choice xmlns:a14="http://schemas.microsoft.com/office/drawing/2010/main" Requires="a14">
+          <mc:Choice xmlns:a14="http://schemas.microsoft.com/office/drawing/2010/main" xmlns="" Requires="a14">
             <p:sp>
               <p:nvSpPr>
                 <p:cNvPr id="67" name="ZoneTexte 66"/>
@@ -6615,7 +6641,7 @@
           </p:style>
         </p:cxnSp>
         <mc:AlternateContent xmlns:mc="http://schemas.openxmlformats.org/markup-compatibility/2006">
-          <mc:Choice xmlns:a14="http://schemas.microsoft.com/office/drawing/2010/main" Requires="a14">
+          <mc:Choice xmlns:a14="http://schemas.microsoft.com/office/drawing/2010/main" xmlns="" Requires="a14">
             <p:sp>
               <p:nvSpPr>
                 <p:cNvPr id="69" name="ZoneTexte 68"/>
@@ -6699,7 +6725,7 @@
           </mc:Fallback>
         </mc:AlternateContent>
         <mc:AlternateContent xmlns:mc="http://schemas.openxmlformats.org/markup-compatibility/2006">
-          <mc:Choice xmlns:a14="http://schemas.microsoft.com/office/drawing/2010/main" Requires="a14">
+          <mc:Choice xmlns:a14="http://schemas.microsoft.com/office/drawing/2010/main" xmlns="" Requires="a14">
             <p:sp>
               <p:nvSpPr>
                 <p:cNvPr id="70" name="ZoneTexte 69"/>
@@ -6868,7 +6894,7 @@
           </mc:Fallback>
         </mc:AlternateContent>
         <mc:AlternateContent xmlns:mc="http://schemas.openxmlformats.org/markup-compatibility/2006">
-          <mc:Choice xmlns:a14="http://schemas.microsoft.com/office/drawing/2010/main" Requires="a14">
+          <mc:Choice xmlns:a14="http://schemas.microsoft.com/office/drawing/2010/main" xmlns="" Requires="a14">
             <p:sp>
               <p:nvSpPr>
                 <p:cNvPr id="71" name="ZoneTexte 70"/>
@@ -6990,9 +7016,5033 @@
     </p:spTree>
     <p:extLst>
       <p:ext uri="{BB962C8B-B14F-4D97-AF65-F5344CB8AC3E}">
-        <p14:creationId xmlns:p14="http://schemas.microsoft.com/office/powerpoint/2010/main" val="2128774172"/>
+        <p14:creationId xmlns:p14="http://schemas.microsoft.com/office/powerpoint/2010/main" xmlns="" val="2128774172"/>
       </p:ext>
     </p:extLst>
+  </p:cSld>
+  <p:clrMapOvr>
+    <a:masterClrMapping/>
+  </p:clrMapOvr>
+</p:sld>
+</file>
+
+<file path=ppt/slides/slide2.xml><?xml version="1.0" encoding="utf-8"?>
+<p:sld xmlns:a="http://schemas.openxmlformats.org/drawingml/2006/main" xmlns:r="http://schemas.openxmlformats.org/officeDocument/2006/relationships" xmlns:p="http://schemas.openxmlformats.org/presentationml/2006/main">
+  <p:cSld>
+    <p:spTree>
+      <p:nvGrpSpPr>
+        <p:cNvPr id="1" name=""/>
+        <p:cNvGrpSpPr/>
+        <p:nvPr/>
+      </p:nvGrpSpPr>
+      <p:grpSpPr>
+        <a:xfrm>
+          <a:off x="0" y="0"/>
+          <a:ext cx="0" cy="0"/>
+          <a:chOff x="0" y="0"/>
+          <a:chExt cx="0" cy="0"/>
+        </a:xfrm>
+      </p:grpSpPr>
+      <p:sp>
+        <p:nvSpPr>
+          <p:cNvPr id="4" name="Flèche vers le bas 3"/>
+          <p:cNvSpPr/>
+          <p:nvPr/>
+        </p:nvSpPr>
+        <p:spPr>
+          <a:xfrm>
+            <a:off x="9499890" y="4941168"/>
+            <a:ext cx="405180" cy="819344"/>
+          </a:xfrm>
+          <a:prstGeom prst="downArrow">
+            <a:avLst/>
+          </a:prstGeom>
+          <a:solidFill>
+            <a:sysClr val="window" lastClr="FFFFFF"/>
+          </a:solidFill>
+          <a:ln w="25400" cap="flat" cmpd="sng" algn="ctr">
+            <a:solidFill>
+              <a:srgbClr val="C0504D"/>
+            </a:solidFill>
+            <a:prstDash val="solid"/>
+          </a:ln>
+          <a:effectLst/>
+        </p:spPr>
+        <p:txBody>
+          <a:bodyPr rtlCol="0" anchor="ctr"/>
+          <a:lstStyle/>
+          <a:p>
+            <a:pPr marL="0" marR="0" lvl="0" indent="0" algn="ctr" defTabSz="914400" eaLnBrk="1" fontAlgn="auto" latinLnBrk="0" hangingPunct="1">
+              <a:lnSpc>
+                <a:spcPct val="100000"/>
+              </a:lnSpc>
+              <a:spcBef>
+                <a:spcPts val="0"/>
+              </a:spcBef>
+              <a:spcAft>
+                <a:spcPts val="0"/>
+              </a:spcAft>
+              <a:buClrTx/>
+              <a:buSzTx/>
+              <a:buFontTx/>
+              <a:buNone/>
+              <a:tabLst/>
+              <a:defRPr/>
+            </a:pPr>
+            <a:endParaRPr kumimoji="0" lang="fr-FR" sz="1600" b="0" i="0" u="none" strike="noStrike" kern="0" cap="none" spc="0" normalizeH="0" baseline="0" noProof="0" smtClean="0">
+              <a:ln>
+                <a:noFill/>
+              </a:ln>
+              <a:solidFill>
+                <a:prstClr val="black"/>
+              </a:solidFill>
+              <a:effectLst/>
+              <a:uLnTx/>
+              <a:uFillTx/>
+              <a:latin typeface="Calibri"/>
+              <a:ea typeface="+mn-ea"/>
+              <a:cs typeface="+mn-cs"/>
+            </a:endParaRPr>
+          </a:p>
+        </p:txBody>
+      </p:sp>
+      <p:sp>
+        <p:nvSpPr>
+          <p:cNvPr id="5" name="Rectangle à coins arrondis 4"/>
+          <p:cNvSpPr/>
+          <p:nvPr/>
+        </p:nvSpPr>
+        <p:spPr>
+          <a:xfrm>
+            <a:off x="389752" y="2779343"/>
+            <a:ext cx="10446944" cy="1729778"/>
+          </a:xfrm>
+          <a:prstGeom prst="roundRect">
+            <a:avLst/>
+          </a:prstGeom>
+          <a:solidFill>
+            <a:sysClr val="window" lastClr="FFFFFF"/>
+          </a:solidFill>
+          <a:ln w="25400" cap="flat" cmpd="sng" algn="ctr">
+            <a:solidFill>
+              <a:srgbClr val="C0504D"/>
+            </a:solidFill>
+            <a:prstDash val="solid"/>
+          </a:ln>
+          <a:effectLst/>
+        </p:spPr>
+        <p:txBody>
+          <a:bodyPr rtlCol="0" anchor="b"/>
+          <a:lstStyle/>
+          <a:p>
+            <a:pPr marL="0" marR="0" lvl="0" indent="0" algn="ctr" defTabSz="914400" eaLnBrk="1" fontAlgn="auto" latinLnBrk="0" hangingPunct="1">
+              <a:lnSpc>
+                <a:spcPct val="100000"/>
+              </a:lnSpc>
+              <a:spcBef>
+                <a:spcPts val="0"/>
+              </a:spcBef>
+              <a:spcAft>
+                <a:spcPts val="0"/>
+              </a:spcAft>
+              <a:buClrTx/>
+              <a:buSzTx/>
+              <a:buFontTx/>
+              <a:buNone/>
+              <a:tabLst/>
+              <a:defRPr/>
+            </a:pPr>
+            <a:r>
+              <a:rPr kumimoji="0" lang="fr-FR" sz="1400" b="0" i="1" u="none" strike="noStrike" kern="0" cap="none" spc="0" normalizeH="0" baseline="0" noProof="0" dirty="0" smtClean="0">
+                <a:ln>
+                  <a:noFill/>
+                </a:ln>
+                <a:solidFill>
+                  <a:prstClr val="black"/>
+                </a:solidFill>
+                <a:effectLst/>
+                <a:uLnTx/>
+                <a:uFillTx/>
+                <a:latin typeface="Calibri"/>
+                <a:ea typeface="+mn-ea"/>
+                <a:cs typeface="+mn-cs"/>
+              </a:rPr>
+              <a:t>Chaîne d’énergie</a:t>
+            </a:r>
+          </a:p>
+        </p:txBody>
+      </p:sp>
+      <p:sp>
+        <p:nvSpPr>
+          <p:cNvPr id="6" name="Rectangle à coins arrondis 5"/>
+          <p:cNvSpPr/>
+          <p:nvPr/>
+        </p:nvSpPr>
+        <p:spPr>
+          <a:xfrm>
+            <a:off x="389752" y="328111"/>
+            <a:ext cx="6473690" cy="1557660"/>
+          </a:xfrm>
+          <a:prstGeom prst="roundRect">
+            <a:avLst/>
+          </a:prstGeom>
+          <a:solidFill>
+            <a:sysClr val="window" lastClr="FFFFFF"/>
+          </a:solidFill>
+          <a:ln w="25400" cap="flat" cmpd="sng" algn="ctr">
+            <a:solidFill>
+              <a:srgbClr val="4F81BD"/>
+            </a:solidFill>
+            <a:prstDash val="solid"/>
+          </a:ln>
+          <a:effectLst/>
+        </p:spPr>
+        <p:txBody>
+          <a:bodyPr rtlCol="0" anchor="t"/>
+          <a:lstStyle/>
+          <a:p>
+            <a:pPr marL="0" marR="0" lvl="0" indent="0" algn="ctr" defTabSz="914400" eaLnBrk="1" fontAlgn="auto" latinLnBrk="0" hangingPunct="1">
+              <a:lnSpc>
+                <a:spcPct val="100000"/>
+              </a:lnSpc>
+              <a:spcBef>
+                <a:spcPts val="0"/>
+              </a:spcBef>
+              <a:spcAft>
+                <a:spcPts val="0"/>
+              </a:spcAft>
+              <a:buClrTx/>
+              <a:buSzTx/>
+              <a:buFontTx/>
+              <a:buNone/>
+              <a:tabLst/>
+              <a:defRPr/>
+            </a:pPr>
+            <a:r>
+              <a:rPr kumimoji="0" lang="fr-FR" sz="1400" b="0" i="1" u="none" strike="noStrike" kern="0" cap="none" spc="0" normalizeH="0" baseline="0" noProof="0" dirty="0" smtClean="0">
+                <a:ln>
+                  <a:noFill/>
+                </a:ln>
+                <a:solidFill>
+                  <a:prstClr val="black"/>
+                </a:solidFill>
+                <a:effectLst/>
+                <a:uLnTx/>
+                <a:uFillTx/>
+                <a:latin typeface="Calibri"/>
+                <a:ea typeface="+mn-ea"/>
+                <a:cs typeface="+mn-cs"/>
+              </a:rPr>
+              <a:t>Chaîne d’information</a:t>
+            </a:r>
+          </a:p>
+        </p:txBody>
+      </p:sp>
+      <p:sp>
+        <p:nvSpPr>
+          <p:cNvPr id="7" name="Rectangle 6"/>
+          <p:cNvSpPr/>
+          <p:nvPr/>
+        </p:nvSpPr>
+        <p:spPr>
+          <a:xfrm>
+            <a:off x="593482" y="908720"/>
+            <a:ext cx="1620000" cy="694102"/>
+          </a:xfrm>
+          <a:prstGeom prst="rect">
+            <a:avLst/>
+          </a:prstGeom>
+          <a:gradFill rotWithShape="1">
+            <a:gsLst>
+              <a:gs pos="0">
+                <a:srgbClr val="4F81BD">
+                  <a:tint val="50000"/>
+                  <a:satMod val="300000"/>
+                </a:srgbClr>
+              </a:gs>
+              <a:gs pos="35000">
+                <a:srgbClr val="4F81BD">
+                  <a:tint val="37000"/>
+                  <a:satMod val="300000"/>
+                </a:srgbClr>
+              </a:gs>
+              <a:gs pos="100000">
+                <a:srgbClr val="4F81BD">
+                  <a:tint val="15000"/>
+                  <a:satMod val="350000"/>
+                </a:srgbClr>
+              </a:gs>
+            </a:gsLst>
+            <a:lin ang="16200000" scaled="1"/>
+          </a:gradFill>
+          <a:ln w="9525" cap="flat" cmpd="sng" algn="ctr">
+            <a:solidFill>
+              <a:srgbClr val="4F81BD">
+                <a:shade val="95000"/>
+                <a:satMod val="105000"/>
+              </a:srgbClr>
+            </a:solidFill>
+            <a:prstDash val="solid"/>
+          </a:ln>
+          <a:effectLst>
+            <a:outerShdw blurRad="40000" dist="20000" dir="5400000" rotWithShape="0">
+              <a:srgbClr val="000000">
+                <a:alpha val="38000"/>
+              </a:srgbClr>
+            </a:outerShdw>
+          </a:effectLst>
+        </p:spPr>
+        <p:txBody>
+          <a:bodyPr rtlCol="0" anchor="t"/>
+          <a:lstStyle/>
+          <a:p>
+            <a:pPr marL="0" marR="0" lvl="0" indent="0" algn="ctr" defTabSz="914400" eaLnBrk="1" fontAlgn="auto" latinLnBrk="0" hangingPunct="1">
+              <a:lnSpc>
+                <a:spcPct val="100000"/>
+              </a:lnSpc>
+              <a:spcBef>
+                <a:spcPts val="0"/>
+              </a:spcBef>
+              <a:spcAft>
+                <a:spcPts val="0"/>
+              </a:spcAft>
+              <a:buClrTx/>
+              <a:buSzTx/>
+              <a:buFontTx/>
+              <a:buNone/>
+              <a:tabLst/>
+              <a:defRPr/>
+            </a:pPr>
+            <a:r>
+              <a:rPr kumimoji="0" lang="fr-FR" sz="1400" b="0" i="0" u="none" strike="noStrike" kern="0" cap="none" spc="0" normalizeH="0" baseline="0" noProof="0" dirty="0" smtClean="0">
+                <a:ln>
+                  <a:noFill/>
+                </a:ln>
+                <a:solidFill>
+                  <a:prstClr val="black"/>
+                </a:solidFill>
+                <a:effectLst/>
+                <a:uLnTx/>
+                <a:uFillTx/>
+                <a:latin typeface="Calibri"/>
+                <a:ea typeface="+mn-ea"/>
+                <a:cs typeface="+mn-cs"/>
+              </a:rPr>
+              <a:t>ACQUERIR</a:t>
+            </a:r>
+          </a:p>
+        </p:txBody>
+      </p:sp>
+      <p:sp>
+        <p:nvSpPr>
+          <p:cNvPr id="8" name="Rectangle 7"/>
+          <p:cNvSpPr/>
+          <p:nvPr/>
+        </p:nvSpPr>
+        <p:spPr>
+          <a:xfrm>
+            <a:off x="2699792" y="908720"/>
+            <a:ext cx="1620000" cy="694102"/>
+          </a:xfrm>
+          <a:prstGeom prst="rect">
+            <a:avLst/>
+          </a:prstGeom>
+          <a:gradFill rotWithShape="1">
+            <a:gsLst>
+              <a:gs pos="0">
+                <a:srgbClr val="4F81BD">
+                  <a:tint val="50000"/>
+                  <a:satMod val="300000"/>
+                </a:srgbClr>
+              </a:gs>
+              <a:gs pos="35000">
+                <a:srgbClr val="4F81BD">
+                  <a:tint val="37000"/>
+                  <a:satMod val="300000"/>
+                </a:srgbClr>
+              </a:gs>
+              <a:gs pos="100000">
+                <a:srgbClr val="4F81BD">
+                  <a:tint val="15000"/>
+                  <a:satMod val="350000"/>
+                </a:srgbClr>
+              </a:gs>
+            </a:gsLst>
+            <a:lin ang="16200000" scaled="1"/>
+          </a:gradFill>
+          <a:ln w="9525" cap="flat" cmpd="sng" algn="ctr">
+            <a:solidFill>
+              <a:srgbClr val="4F81BD">
+                <a:shade val="95000"/>
+                <a:satMod val="105000"/>
+              </a:srgbClr>
+            </a:solidFill>
+            <a:prstDash val="solid"/>
+          </a:ln>
+          <a:effectLst>
+            <a:outerShdw blurRad="40000" dist="20000" dir="5400000" rotWithShape="0">
+              <a:srgbClr val="000000">
+                <a:alpha val="38000"/>
+              </a:srgbClr>
+            </a:outerShdw>
+          </a:effectLst>
+        </p:spPr>
+        <p:txBody>
+          <a:bodyPr rtlCol="0" anchor="t"/>
+          <a:lstStyle/>
+          <a:p>
+            <a:pPr marL="0" marR="0" lvl="0" indent="0" algn="ctr" defTabSz="914400" eaLnBrk="1" fontAlgn="auto" latinLnBrk="0" hangingPunct="1">
+              <a:lnSpc>
+                <a:spcPct val="100000"/>
+              </a:lnSpc>
+              <a:spcBef>
+                <a:spcPts val="0"/>
+              </a:spcBef>
+              <a:spcAft>
+                <a:spcPts val="0"/>
+              </a:spcAft>
+              <a:buClrTx/>
+              <a:buSzTx/>
+              <a:buFontTx/>
+              <a:buNone/>
+              <a:tabLst/>
+              <a:defRPr/>
+            </a:pPr>
+            <a:r>
+              <a:rPr kumimoji="0" lang="fr-FR" sz="1400" b="0" i="0" u="none" strike="noStrike" kern="0" cap="none" spc="0" normalizeH="0" baseline="0" noProof="0" dirty="0" smtClean="0">
+                <a:ln>
+                  <a:noFill/>
+                </a:ln>
+                <a:solidFill>
+                  <a:prstClr val="black"/>
+                </a:solidFill>
+                <a:effectLst/>
+                <a:uLnTx/>
+                <a:uFillTx/>
+                <a:latin typeface="Calibri"/>
+                <a:ea typeface="+mn-ea"/>
+                <a:cs typeface="+mn-cs"/>
+              </a:rPr>
+              <a:t>TRAITER</a:t>
+            </a:r>
+          </a:p>
+          <a:p>
+            <a:pPr marL="0" marR="0" lvl="0" indent="0" algn="ctr" defTabSz="914400" eaLnBrk="1" fontAlgn="auto" latinLnBrk="0" hangingPunct="1">
+              <a:lnSpc>
+                <a:spcPct val="100000"/>
+              </a:lnSpc>
+              <a:spcBef>
+                <a:spcPts val="0"/>
+              </a:spcBef>
+              <a:spcAft>
+                <a:spcPts val="0"/>
+              </a:spcAft>
+              <a:buClrTx/>
+              <a:buSzTx/>
+              <a:buFontTx/>
+              <a:buNone/>
+              <a:tabLst/>
+              <a:defRPr/>
+            </a:pPr>
+            <a:r>
+              <a:rPr lang="fr-FR" sz="1400" kern="0" dirty="0" smtClean="0">
+                <a:solidFill>
+                  <a:prstClr val="black"/>
+                </a:solidFill>
+                <a:latin typeface="Calibri"/>
+              </a:rPr>
+              <a:t>Microcontrôleur</a:t>
+            </a:r>
+            <a:endParaRPr kumimoji="0" lang="fr-FR" sz="1400" b="0" i="0" u="none" strike="noStrike" kern="0" cap="none" spc="0" normalizeH="0" baseline="0" noProof="0" dirty="0" smtClean="0">
+              <a:ln>
+                <a:noFill/>
+              </a:ln>
+              <a:solidFill>
+                <a:prstClr val="black"/>
+              </a:solidFill>
+              <a:effectLst/>
+              <a:uLnTx/>
+              <a:uFillTx/>
+              <a:latin typeface="Calibri"/>
+              <a:ea typeface="+mn-ea"/>
+              <a:cs typeface="+mn-cs"/>
+            </a:endParaRPr>
+          </a:p>
+        </p:txBody>
+      </p:sp>
+      <p:sp>
+        <p:nvSpPr>
+          <p:cNvPr id="9" name="Rectangle 8"/>
+          <p:cNvSpPr/>
+          <p:nvPr/>
+        </p:nvSpPr>
+        <p:spPr>
+          <a:xfrm>
+            <a:off x="4804257" y="908720"/>
+            <a:ext cx="1620000" cy="709738"/>
+          </a:xfrm>
+          <a:prstGeom prst="rect">
+            <a:avLst/>
+          </a:prstGeom>
+          <a:gradFill rotWithShape="1">
+            <a:gsLst>
+              <a:gs pos="0">
+                <a:srgbClr val="4F81BD">
+                  <a:tint val="50000"/>
+                  <a:satMod val="300000"/>
+                </a:srgbClr>
+              </a:gs>
+              <a:gs pos="35000">
+                <a:srgbClr val="4F81BD">
+                  <a:tint val="37000"/>
+                  <a:satMod val="300000"/>
+                </a:srgbClr>
+              </a:gs>
+              <a:gs pos="100000">
+                <a:srgbClr val="4F81BD">
+                  <a:tint val="15000"/>
+                  <a:satMod val="350000"/>
+                </a:srgbClr>
+              </a:gs>
+            </a:gsLst>
+            <a:lin ang="16200000" scaled="1"/>
+          </a:gradFill>
+          <a:ln w="9525" cap="flat" cmpd="sng" algn="ctr">
+            <a:solidFill>
+              <a:srgbClr val="4F81BD">
+                <a:shade val="95000"/>
+                <a:satMod val="105000"/>
+              </a:srgbClr>
+            </a:solidFill>
+            <a:prstDash val="solid"/>
+          </a:ln>
+          <a:effectLst>
+            <a:outerShdw blurRad="40000" dist="20000" dir="5400000" rotWithShape="0">
+              <a:srgbClr val="000000">
+                <a:alpha val="38000"/>
+              </a:srgbClr>
+            </a:outerShdw>
+          </a:effectLst>
+        </p:spPr>
+        <p:txBody>
+          <a:bodyPr rtlCol="0" anchor="t"/>
+          <a:lstStyle/>
+          <a:p>
+            <a:pPr marL="0" marR="0" lvl="0" indent="0" algn="ctr" defTabSz="914400" eaLnBrk="1" fontAlgn="auto" latinLnBrk="0" hangingPunct="1">
+              <a:lnSpc>
+                <a:spcPct val="100000"/>
+              </a:lnSpc>
+              <a:spcBef>
+                <a:spcPts val="0"/>
+              </a:spcBef>
+              <a:spcAft>
+                <a:spcPts val="0"/>
+              </a:spcAft>
+              <a:buClrTx/>
+              <a:buSzTx/>
+              <a:buFontTx/>
+              <a:buNone/>
+              <a:tabLst/>
+              <a:defRPr/>
+            </a:pPr>
+            <a:r>
+              <a:rPr kumimoji="0" lang="fr-FR" sz="1400" b="0" i="0" u="none" strike="noStrike" kern="0" cap="none" spc="0" normalizeH="0" baseline="0" noProof="0" dirty="0" smtClean="0">
+                <a:ln>
+                  <a:noFill/>
+                </a:ln>
+                <a:solidFill>
+                  <a:prstClr val="black"/>
+                </a:solidFill>
+                <a:effectLst/>
+                <a:uLnTx/>
+                <a:uFillTx/>
+                <a:latin typeface="Calibri"/>
+                <a:ea typeface="+mn-ea"/>
+                <a:cs typeface="+mn-cs"/>
+              </a:rPr>
+              <a:t>COMMUNIQUER</a:t>
+            </a:r>
+          </a:p>
+          <a:p>
+            <a:pPr marL="0" marR="0" lvl="0" indent="0" algn="ctr" defTabSz="914400" eaLnBrk="1" fontAlgn="auto" latinLnBrk="0" hangingPunct="1">
+              <a:lnSpc>
+                <a:spcPct val="100000"/>
+              </a:lnSpc>
+              <a:spcBef>
+                <a:spcPts val="0"/>
+              </a:spcBef>
+              <a:spcAft>
+                <a:spcPts val="0"/>
+              </a:spcAft>
+              <a:buClrTx/>
+              <a:buSzTx/>
+              <a:buFontTx/>
+              <a:buNone/>
+              <a:tabLst/>
+              <a:defRPr/>
+            </a:pPr>
+            <a:r>
+              <a:rPr lang="fr-FR" sz="1400" kern="0" dirty="0" smtClean="0">
+                <a:solidFill>
+                  <a:prstClr val="black"/>
+                </a:solidFill>
+                <a:latin typeface="Calibri"/>
+              </a:rPr>
+              <a:t>BUS CAN</a:t>
+            </a:r>
+          </a:p>
+          <a:p>
+            <a:pPr marL="0" marR="0" lvl="0" indent="0" algn="ctr" defTabSz="914400" eaLnBrk="1" fontAlgn="auto" latinLnBrk="0" hangingPunct="1">
+              <a:lnSpc>
+                <a:spcPct val="100000"/>
+              </a:lnSpc>
+              <a:spcBef>
+                <a:spcPts val="0"/>
+              </a:spcBef>
+              <a:spcAft>
+                <a:spcPts val="0"/>
+              </a:spcAft>
+              <a:buClrTx/>
+              <a:buSzTx/>
+              <a:buFontTx/>
+              <a:buNone/>
+              <a:tabLst/>
+              <a:defRPr/>
+            </a:pPr>
+            <a:r>
+              <a:rPr lang="fr-FR" sz="1400" kern="0" dirty="0" smtClean="0">
+                <a:solidFill>
+                  <a:prstClr val="black"/>
+                </a:solidFill>
+                <a:latin typeface="Calibri"/>
+              </a:rPr>
+              <a:t>(Interface NMEA)</a:t>
+            </a:r>
+            <a:endParaRPr kumimoji="0" lang="fr-FR" sz="1400" b="0" i="0" u="none" strike="noStrike" kern="0" cap="none" spc="0" normalizeH="0" baseline="0" noProof="0" dirty="0" smtClean="0">
+              <a:ln>
+                <a:noFill/>
+              </a:ln>
+              <a:solidFill>
+                <a:prstClr val="black"/>
+              </a:solidFill>
+              <a:effectLst/>
+              <a:uLnTx/>
+              <a:uFillTx/>
+              <a:latin typeface="Calibri"/>
+              <a:ea typeface="+mn-ea"/>
+              <a:cs typeface="+mn-cs"/>
+            </a:endParaRPr>
+          </a:p>
+        </p:txBody>
+      </p:sp>
+      <p:sp>
+        <p:nvSpPr>
+          <p:cNvPr id="10" name="Rectangle 9"/>
+          <p:cNvSpPr/>
+          <p:nvPr/>
+        </p:nvSpPr>
+        <p:spPr>
+          <a:xfrm>
+            <a:off x="593482" y="3067151"/>
+            <a:ext cx="1620000" cy="687554"/>
+          </a:xfrm>
+          <a:prstGeom prst="rect">
+            <a:avLst/>
+          </a:prstGeom>
+          <a:gradFill rotWithShape="1">
+            <a:gsLst>
+              <a:gs pos="0">
+                <a:srgbClr val="C0504D">
+                  <a:tint val="50000"/>
+                  <a:satMod val="300000"/>
+                </a:srgbClr>
+              </a:gs>
+              <a:gs pos="35000">
+                <a:srgbClr val="C0504D">
+                  <a:tint val="37000"/>
+                  <a:satMod val="300000"/>
+                </a:srgbClr>
+              </a:gs>
+              <a:gs pos="100000">
+                <a:srgbClr val="C0504D">
+                  <a:tint val="15000"/>
+                  <a:satMod val="350000"/>
+                </a:srgbClr>
+              </a:gs>
+            </a:gsLst>
+            <a:lin ang="16200000" scaled="1"/>
+          </a:gradFill>
+          <a:ln w="9525" cap="flat" cmpd="sng" algn="ctr">
+            <a:solidFill>
+              <a:srgbClr val="C0504D">
+                <a:shade val="95000"/>
+                <a:satMod val="105000"/>
+              </a:srgbClr>
+            </a:solidFill>
+            <a:prstDash val="solid"/>
+          </a:ln>
+          <a:effectLst>
+            <a:outerShdw blurRad="40000" dist="20000" dir="5400000" rotWithShape="0">
+              <a:srgbClr val="000000">
+                <a:alpha val="38000"/>
+              </a:srgbClr>
+            </a:outerShdw>
+          </a:effectLst>
+        </p:spPr>
+        <p:txBody>
+          <a:bodyPr rtlCol="0" anchor="t"/>
+          <a:lstStyle/>
+          <a:p>
+            <a:pPr marL="0" marR="0" lvl="0" indent="0" algn="ctr" defTabSz="914400" eaLnBrk="1" fontAlgn="auto" latinLnBrk="0" hangingPunct="1">
+              <a:lnSpc>
+                <a:spcPct val="100000"/>
+              </a:lnSpc>
+              <a:spcBef>
+                <a:spcPts val="0"/>
+              </a:spcBef>
+              <a:spcAft>
+                <a:spcPts val="0"/>
+              </a:spcAft>
+              <a:buClrTx/>
+              <a:buSzTx/>
+              <a:buFontTx/>
+              <a:buNone/>
+              <a:tabLst/>
+              <a:defRPr/>
+            </a:pPr>
+            <a:r>
+              <a:rPr kumimoji="0" lang="fr-FR" sz="1400" b="0" i="0" u="none" strike="noStrike" kern="0" cap="none" spc="0" normalizeH="0" baseline="0" noProof="0" dirty="0" smtClean="0">
+                <a:ln>
+                  <a:noFill/>
+                </a:ln>
+                <a:solidFill>
+                  <a:prstClr val="black"/>
+                </a:solidFill>
+                <a:effectLst/>
+                <a:uLnTx/>
+                <a:uFillTx/>
+                <a:latin typeface="Calibri"/>
+                <a:ea typeface="+mn-ea"/>
+                <a:cs typeface="+mn-cs"/>
+              </a:rPr>
+              <a:t>ALIMENTER</a:t>
+            </a:r>
+          </a:p>
+          <a:p>
+            <a:pPr marL="0" marR="0" lvl="0" indent="0" algn="ctr" defTabSz="914400" eaLnBrk="1" fontAlgn="auto" latinLnBrk="0" hangingPunct="1">
+              <a:lnSpc>
+                <a:spcPct val="100000"/>
+              </a:lnSpc>
+              <a:spcBef>
+                <a:spcPts val="0"/>
+              </a:spcBef>
+              <a:spcAft>
+                <a:spcPts val="0"/>
+              </a:spcAft>
+              <a:buClrTx/>
+              <a:buSzTx/>
+              <a:buFontTx/>
+              <a:buNone/>
+              <a:tabLst/>
+              <a:defRPr/>
+            </a:pPr>
+            <a:r>
+              <a:rPr lang="fr-FR" sz="1400" kern="0" dirty="0" smtClean="0">
+                <a:solidFill>
+                  <a:prstClr val="black"/>
+                </a:solidFill>
+                <a:latin typeface="Calibri"/>
+              </a:rPr>
+              <a:t>Générateur de tension</a:t>
+            </a:r>
+            <a:endParaRPr kumimoji="0" lang="fr-FR" sz="1400" b="0" i="0" u="none" strike="noStrike" kern="0" cap="none" spc="0" normalizeH="0" baseline="0" noProof="0" dirty="0" smtClean="0">
+              <a:ln>
+                <a:noFill/>
+              </a:ln>
+              <a:solidFill>
+                <a:prstClr val="black"/>
+              </a:solidFill>
+              <a:effectLst/>
+              <a:uLnTx/>
+              <a:uFillTx/>
+              <a:latin typeface="Calibri"/>
+              <a:ea typeface="+mn-ea"/>
+              <a:cs typeface="+mn-cs"/>
+            </a:endParaRPr>
+          </a:p>
+        </p:txBody>
+      </p:sp>
+      <p:sp>
+        <p:nvSpPr>
+          <p:cNvPr id="11" name="Rectangle 10"/>
+          <p:cNvSpPr/>
+          <p:nvPr/>
+        </p:nvSpPr>
+        <p:spPr>
+          <a:xfrm>
+            <a:off x="2699792" y="3067151"/>
+            <a:ext cx="1620000" cy="687554"/>
+          </a:xfrm>
+          <a:prstGeom prst="rect">
+            <a:avLst/>
+          </a:prstGeom>
+          <a:gradFill rotWithShape="1">
+            <a:gsLst>
+              <a:gs pos="0">
+                <a:srgbClr val="C0504D">
+                  <a:tint val="50000"/>
+                  <a:satMod val="300000"/>
+                </a:srgbClr>
+              </a:gs>
+              <a:gs pos="35000">
+                <a:srgbClr val="C0504D">
+                  <a:tint val="37000"/>
+                  <a:satMod val="300000"/>
+                </a:srgbClr>
+              </a:gs>
+              <a:gs pos="100000">
+                <a:srgbClr val="C0504D">
+                  <a:tint val="15000"/>
+                  <a:satMod val="350000"/>
+                </a:srgbClr>
+              </a:gs>
+            </a:gsLst>
+            <a:lin ang="16200000" scaled="1"/>
+          </a:gradFill>
+          <a:ln w="9525" cap="flat" cmpd="sng" algn="ctr">
+            <a:solidFill>
+              <a:srgbClr val="C0504D">
+                <a:shade val="95000"/>
+                <a:satMod val="105000"/>
+              </a:srgbClr>
+            </a:solidFill>
+            <a:prstDash val="solid"/>
+          </a:ln>
+          <a:effectLst>
+            <a:outerShdw blurRad="40000" dist="20000" dir="5400000" rotWithShape="0">
+              <a:srgbClr val="000000">
+                <a:alpha val="38000"/>
+              </a:srgbClr>
+            </a:outerShdw>
+          </a:effectLst>
+        </p:spPr>
+        <p:txBody>
+          <a:bodyPr rtlCol="0" anchor="t"/>
+          <a:lstStyle/>
+          <a:p>
+            <a:pPr marL="0" marR="0" lvl="0" indent="0" algn="ctr" defTabSz="914400" eaLnBrk="1" fontAlgn="auto" latinLnBrk="0" hangingPunct="1">
+              <a:lnSpc>
+                <a:spcPct val="100000"/>
+              </a:lnSpc>
+              <a:spcBef>
+                <a:spcPts val="0"/>
+              </a:spcBef>
+              <a:spcAft>
+                <a:spcPts val="0"/>
+              </a:spcAft>
+              <a:buClrTx/>
+              <a:buSzTx/>
+              <a:buFontTx/>
+              <a:buNone/>
+              <a:tabLst/>
+              <a:defRPr/>
+            </a:pPr>
+            <a:r>
+              <a:rPr kumimoji="0" lang="fr-FR" sz="1400" b="0" i="0" u="none" strike="noStrike" kern="0" cap="none" spc="0" normalizeH="0" baseline="0" noProof="0" dirty="0" smtClean="0">
+                <a:ln>
+                  <a:noFill/>
+                </a:ln>
+                <a:solidFill>
+                  <a:prstClr val="black"/>
+                </a:solidFill>
+                <a:effectLst/>
+                <a:uLnTx/>
+                <a:uFillTx/>
+                <a:latin typeface="Calibri"/>
+                <a:ea typeface="+mn-ea"/>
+                <a:cs typeface="+mn-cs"/>
+              </a:rPr>
+              <a:t>DISTRIBUER</a:t>
+            </a:r>
+          </a:p>
+          <a:p>
+            <a:pPr marL="0" marR="0" lvl="0" indent="0" algn="ctr" defTabSz="914400" eaLnBrk="1" fontAlgn="auto" latinLnBrk="0" hangingPunct="1">
+              <a:lnSpc>
+                <a:spcPct val="100000"/>
+              </a:lnSpc>
+              <a:spcBef>
+                <a:spcPts val="0"/>
+              </a:spcBef>
+              <a:spcAft>
+                <a:spcPts val="0"/>
+              </a:spcAft>
+              <a:buClrTx/>
+              <a:buSzTx/>
+              <a:buFontTx/>
+              <a:buNone/>
+              <a:tabLst/>
+              <a:defRPr/>
+            </a:pPr>
+            <a:r>
+              <a:rPr lang="fr-FR" sz="1400" kern="0" dirty="0" smtClean="0">
+                <a:solidFill>
+                  <a:prstClr val="black"/>
+                </a:solidFill>
+                <a:latin typeface="Calibri"/>
+              </a:rPr>
+              <a:t>Pont en H</a:t>
+            </a:r>
+            <a:endParaRPr kumimoji="0" lang="fr-FR" sz="1400" b="0" i="0" u="none" strike="noStrike" kern="0" cap="none" spc="0" normalizeH="0" baseline="0" noProof="0" dirty="0" smtClean="0">
+              <a:ln>
+                <a:noFill/>
+              </a:ln>
+              <a:solidFill>
+                <a:prstClr val="black"/>
+              </a:solidFill>
+              <a:effectLst/>
+              <a:uLnTx/>
+              <a:uFillTx/>
+              <a:latin typeface="Calibri"/>
+              <a:ea typeface="+mn-ea"/>
+              <a:cs typeface="+mn-cs"/>
+            </a:endParaRPr>
+          </a:p>
+        </p:txBody>
+      </p:sp>
+      <p:sp>
+        <p:nvSpPr>
+          <p:cNvPr id="12" name="Rectangle 11"/>
+          <p:cNvSpPr/>
+          <p:nvPr/>
+        </p:nvSpPr>
+        <p:spPr>
+          <a:xfrm>
+            <a:off x="4804257" y="3067151"/>
+            <a:ext cx="1620000" cy="687554"/>
+          </a:xfrm>
+          <a:prstGeom prst="rect">
+            <a:avLst/>
+          </a:prstGeom>
+          <a:gradFill rotWithShape="1">
+            <a:gsLst>
+              <a:gs pos="0">
+                <a:srgbClr val="C0504D">
+                  <a:tint val="50000"/>
+                  <a:satMod val="300000"/>
+                </a:srgbClr>
+              </a:gs>
+              <a:gs pos="35000">
+                <a:srgbClr val="C0504D">
+                  <a:tint val="37000"/>
+                  <a:satMod val="300000"/>
+                </a:srgbClr>
+              </a:gs>
+              <a:gs pos="100000">
+                <a:srgbClr val="C0504D">
+                  <a:tint val="15000"/>
+                  <a:satMod val="350000"/>
+                </a:srgbClr>
+              </a:gs>
+            </a:gsLst>
+            <a:lin ang="16200000" scaled="1"/>
+          </a:gradFill>
+          <a:ln w="9525" cap="flat" cmpd="sng" algn="ctr">
+            <a:solidFill>
+              <a:srgbClr val="C0504D">
+                <a:shade val="95000"/>
+                <a:satMod val="105000"/>
+              </a:srgbClr>
+            </a:solidFill>
+            <a:prstDash val="solid"/>
+          </a:ln>
+          <a:effectLst>
+            <a:outerShdw blurRad="40000" dist="20000" dir="5400000" rotWithShape="0">
+              <a:srgbClr val="000000">
+                <a:alpha val="38000"/>
+              </a:srgbClr>
+            </a:outerShdw>
+          </a:effectLst>
+        </p:spPr>
+        <p:txBody>
+          <a:bodyPr rtlCol="0" anchor="t"/>
+          <a:lstStyle/>
+          <a:p>
+            <a:pPr marL="0" marR="0" lvl="0" indent="0" algn="ctr" defTabSz="914400" eaLnBrk="1" fontAlgn="auto" latinLnBrk="0" hangingPunct="1">
+              <a:lnSpc>
+                <a:spcPct val="100000"/>
+              </a:lnSpc>
+              <a:spcBef>
+                <a:spcPts val="0"/>
+              </a:spcBef>
+              <a:spcAft>
+                <a:spcPts val="0"/>
+              </a:spcAft>
+              <a:buClrTx/>
+              <a:buSzTx/>
+              <a:buFontTx/>
+              <a:buNone/>
+              <a:tabLst/>
+              <a:defRPr/>
+            </a:pPr>
+            <a:r>
+              <a:rPr kumimoji="0" lang="fr-FR" sz="1400" b="0" i="0" u="none" strike="noStrike" kern="0" cap="none" spc="0" normalizeH="0" baseline="0" noProof="0" dirty="0" smtClean="0">
+                <a:ln>
+                  <a:noFill/>
+                </a:ln>
+                <a:solidFill>
+                  <a:prstClr val="black"/>
+                </a:solidFill>
+                <a:effectLst/>
+                <a:uLnTx/>
+                <a:uFillTx/>
+                <a:latin typeface="Calibri"/>
+                <a:ea typeface="+mn-ea"/>
+                <a:cs typeface="+mn-cs"/>
+              </a:rPr>
+              <a:t>CONVERTIR</a:t>
+            </a:r>
+          </a:p>
+          <a:p>
+            <a:pPr marL="0" marR="0" lvl="0" indent="0" algn="ctr" defTabSz="914400" eaLnBrk="1" fontAlgn="auto" latinLnBrk="0" hangingPunct="1">
+              <a:lnSpc>
+                <a:spcPct val="100000"/>
+              </a:lnSpc>
+              <a:spcBef>
+                <a:spcPts val="0"/>
+              </a:spcBef>
+              <a:spcAft>
+                <a:spcPts val="0"/>
+              </a:spcAft>
+              <a:buClrTx/>
+              <a:buSzTx/>
+              <a:buFontTx/>
+              <a:buNone/>
+              <a:tabLst/>
+              <a:defRPr/>
+            </a:pPr>
+            <a:r>
+              <a:rPr lang="fr-FR" sz="1400" kern="0" dirty="0" smtClean="0">
+                <a:solidFill>
+                  <a:prstClr val="black"/>
+                </a:solidFill>
+                <a:latin typeface="Calibri"/>
+              </a:rPr>
+              <a:t>Moteur à courant continu</a:t>
+            </a:r>
+            <a:endParaRPr kumimoji="0" lang="fr-FR" sz="1400" b="0" i="0" u="none" strike="noStrike" kern="0" cap="none" spc="0" normalizeH="0" baseline="0" noProof="0" dirty="0" smtClean="0">
+              <a:ln>
+                <a:noFill/>
+              </a:ln>
+              <a:solidFill>
+                <a:prstClr val="black"/>
+              </a:solidFill>
+              <a:effectLst/>
+              <a:uLnTx/>
+              <a:uFillTx/>
+              <a:latin typeface="Calibri"/>
+              <a:ea typeface="+mn-ea"/>
+              <a:cs typeface="+mn-cs"/>
+            </a:endParaRPr>
+          </a:p>
+        </p:txBody>
+      </p:sp>
+      <p:sp>
+        <p:nvSpPr>
+          <p:cNvPr id="13" name="Rectangle 12"/>
+          <p:cNvSpPr/>
+          <p:nvPr/>
+        </p:nvSpPr>
+        <p:spPr>
+          <a:xfrm>
+            <a:off x="6863442" y="3067151"/>
+            <a:ext cx="1620000" cy="687554"/>
+          </a:xfrm>
+          <a:prstGeom prst="rect">
+            <a:avLst/>
+          </a:prstGeom>
+          <a:gradFill rotWithShape="1">
+            <a:gsLst>
+              <a:gs pos="0">
+                <a:srgbClr val="C0504D">
+                  <a:tint val="50000"/>
+                  <a:satMod val="300000"/>
+                </a:srgbClr>
+              </a:gs>
+              <a:gs pos="35000">
+                <a:srgbClr val="C0504D">
+                  <a:tint val="37000"/>
+                  <a:satMod val="300000"/>
+                </a:srgbClr>
+              </a:gs>
+              <a:gs pos="100000">
+                <a:srgbClr val="C0504D">
+                  <a:tint val="15000"/>
+                  <a:satMod val="350000"/>
+                </a:srgbClr>
+              </a:gs>
+            </a:gsLst>
+            <a:lin ang="16200000" scaled="1"/>
+          </a:gradFill>
+          <a:ln w="9525" cap="flat" cmpd="sng" algn="ctr">
+            <a:solidFill>
+              <a:srgbClr val="C0504D">
+                <a:shade val="95000"/>
+                <a:satMod val="105000"/>
+              </a:srgbClr>
+            </a:solidFill>
+            <a:prstDash val="solid"/>
+          </a:ln>
+          <a:effectLst>
+            <a:outerShdw blurRad="40000" dist="20000" dir="5400000" rotWithShape="0">
+              <a:srgbClr val="000000">
+                <a:alpha val="38000"/>
+              </a:srgbClr>
+            </a:outerShdw>
+          </a:effectLst>
+        </p:spPr>
+        <p:txBody>
+          <a:bodyPr rtlCol="0" anchor="t"/>
+          <a:lstStyle/>
+          <a:p>
+            <a:pPr marL="0" marR="0" lvl="0" indent="0" algn="ctr" defTabSz="914400" eaLnBrk="1" fontAlgn="auto" latinLnBrk="0" hangingPunct="1">
+              <a:lnSpc>
+                <a:spcPct val="100000"/>
+              </a:lnSpc>
+              <a:spcBef>
+                <a:spcPts val="0"/>
+              </a:spcBef>
+              <a:spcAft>
+                <a:spcPts val="0"/>
+              </a:spcAft>
+              <a:buClrTx/>
+              <a:buSzTx/>
+              <a:buFontTx/>
+              <a:buNone/>
+              <a:tabLst/>
+              <a:defRPr/>
+            </a:pPr>
+            <a:r>
+              <a:rPr kumimoji="0" lang="fr-FR" sz="1400" b="0" i="0" u="none" strike="noStrike" kern="0" cap="none" spc="0" normalizeH="0" baseline="0" noProof="0" dirty="0" smtClean="0">
+                <a:ln>
+                  <a:noFill/>
+                </a:ln>
+                <a:solidFill>
+                  <a:prstClr val="black"/>
+                </a:solidFill>
+                <a:effectLst/>
+                <a:uLnTx/>
+                <a:uFillTx/>
+                <a:latin typeface="Calibri"/>
+                <a:ea typeface="+mn-ea"/>
+                <a:cs typeface="+mn-cs"/>
+              </a:rPr>
+              <a:t>TRANSMETTRE</a:t>
+            </a:r>
+          </a:p>
+          <a:p>
+            <a:pPr marL="0" marR="0" lvl="0" indent="0" algn="ctr" defTabSz="914400" eaLnBrk="1" fontAlgn="auto" latinLnBrk="0" hangingPunct="1">
+              <a:lnSpc>
+                <a:spcPct val="100000"/>
+              </a:lnSpc>
+              <a:spcBef>
+                <a:spcPts val="0"/>
+              </a:spcBef>
+              <a:spcAft>
+                <a:spcPts val="0"/>
+              </a:spcAft>
+              <a:buClrTx/>
+              <a:buSzTx/>
+              <a:buFontTx/>
+              <a:buNone/>
+              <a:tabLst/>
+              <a:defRPr/>
+            </a:pPr>
+            <a:r>
+              <a:rPr lang="fr-FR" sz="1400" kern="0" dirty="0" smtClean="0">
+                <a:solidFill>
+                  <a:prstClr val="black"/>
+                </a:solidFill>
+                <a:latin typeface="Calibri"/>
+              </a:rPr>
+              <a:t>Poulie – Courroie</a:t>
+            </a:r>
+          </a:p>
+          <a:p>
+            <a:pPr marL="0" marR="0" lvl="0" indent="0" algn="ctr" defTabSz="914400" eaLnBrk="1" fontAlgn="auto" latinLnBrk="0" hangingPunct="1">
+              <a:lnSpc>
+                <a:spcPct val="100000"/>
+              </a:lnSpc>
+              <a:spcBef>
+                <a:spcPts val="0"/>
+              </a:spcBef>
+              <a:spcAft>
+                <a:spcPts val="0"/>
+              </a:spcAft>
+              <a:buClrTx/>
+              <a:buSzTx/>
+              <a:buFontTx/>
+              <a:buNone/>
+              <a:tabLst/>
+              <a:defRPr/>
+            </a:pPr>
+            <a:r>
+              <a:rPr lang="fr-FR" sz="1400" kern="0" dirty="0" smtClean="0">
+                <a:solidFill>
+                  <a:prstClr val="black"/>
+                </a:solidFill>
+                <a:latin typeface="Calibri"/>
+              </a:rPr>
+              <a:t>Système vis - écrou</a:t>
+            </a:r>
+          </a:p>
+        </p:txBody>
+      </p:sp>
+      <p:sp>
+        <p:nvSpPr>
+          <p:cNvPr id="14" name="Rectangle 13"/>
+          <p:cNvSpPr/>
+          <p:nvPr/>
+        </p:nvSpPr>
+        <p:spPr>
+          <a:xfrm>
+            <a:off x="8892480" y="1885771"/>
+            <a:ext cx="1620000" cy="3055397"/>
+          </a:xfrm>
+          <a:prstGeom prst="rect">
+            <a:avLst/>
+          </a:prstGeom>
+          <a:gradFill rotWithShape="1">
+            <a:gsLst>
+              <a:gs pos="0">
+                <a:srgbClr val="F79646">
+                  <a:tint val="50000"/>
+                  <a:satMod val="300000"/>
+                </a:srgbClr>
+              </a:gs>
+              <a:gs pos="35000">
+                <a:srgbClr val="F79646">
+                  <a:tint val="37000"/>
+                  <a:satMod val="300000"/>
+                </a:srgbClr>
+              </a:gs>
+              <a:gs pos="100000">
+                <a:srgbClr val="F79646">
+                  <a:tint val="15000"/>
+                  <a:satMod val="350000"/>
+                </a:srgbClr>
+              </a:gs>
+            </a:gsLst>
+            <a:lin ang="16200000" scaled="1"/>
+          </a:gradFill>
+          <a:ln w="9525" cap="flat" cmpd="sng" algn="ctr">
+            <a:solidFill>
+              <a:srgbClr val="F79646">
+                <a:shade val="95000"/>
+                <a:satMod val="105000"/>
+              </a:srgbClr>
+            </a:solidFill>
+            <a:prstDash val="solid"/>
+          </a:ln>
+          <a:effectLst>
+            <a:outerShdw blurRad="40000" dist="20000" dir="5400000" rotWithShape="0">
+              <a:srgbClr val="000000">
+                <a:alpha val="38000"/>
+              </a:srgbClr>
+            </a:outerShdw>
+          </a:effectLst>
+        </p:spPr>
+        <p:txBody>
+          <a:bodyPr rtlCol="0" anchor="ctr"/>
+          <a:lstStyle/>
+          <a:p>
+            <a:pPr marL="0" marR="0" lvl="0" indent="0" algn="ctr" defTabSz="914400" eaLnBrk="1" fontAlgn="auto" latinLnBrk="0" hangingPunct="1">
+              <a:lnSpc>
+                <a:spcPct val="100000"/>
+              </a:lnSpc>
+              <a:spcBef>
+                <a:spcPts val="0"/>
+              </a:spcBef>
+              <a:spcAft>
+                <a:spcPts val="0"/>
+              </a:spcAft>
+              <a:buClrTx/>
+              <a:buSzTx/>
+              <a:buFontTx/>
+              <a:buNone/>
+              <a:tabLst/>
+              <a:defRPr/>
+            </a:pPr>
+            <a:r>
+              <a:rPr kumimoji="0" lang="fr-FR" sz="1400" b="0" i="0" u="none" strike="noStrike" kern="0" cap="none" spc="0" normalizeH="0" baseline="0" noProof="0" dirty="0" smtClean="0">
+                <a:ln>
+                  <a:noFill/>
+                </a:ln>
+                <a:solidFill>
+                  <a:prstClr val="black"/>
+                </a:solidFill>
+                <a:effectLst/>
+                <a:uLnTx/>
+                <a:uFillTx/>
+                <a:latin typeface="Calibri"/>
+                <a:ea typeface="+mn-ea"/>
+                <a:cs typeface="+mn-cs"/>
+              </a:rPr>
+              <a:t>ACTION</a:t>
+            </a:r>
+          </a:p>
+        </p:txBody>
+      </p:sp>
+      <p:cxnSp>
+        <p:nvCxnSpPr>
+          <p:cNvPr id="15" name="Connecteur droit avec flèche 14"/>
+          <p:cNvCxnSpPr/>
+          <p:nvPr/>
+        </p:nvCxnSpPr>
+        <p:spPr>
+          <a:xfrm>
+            <a:off x="107172" y="1476099"/>
+            <a:ext cx="486310" cy="8685"/>
+          </a:xfrm>
+          <a:prstGeom prst="straightConnector1">
+            <a:avLst/>
+          </a:prstGeom>
+          <a:noFill/>
+          <a:ln w="28575" cap="flat" cmpd="sng" algn="ctr">
+            <a:solidFill>
+              <a:srgbClr val="4F81BD">
+                <a:shade val="95000"/>
+                <a:satMod val="105000"/>
+              </a:srgbClr>
+            </a:solidFill>
+            <a:prstDash val="solid"/>
+            <a:tailEnd type="arrow"/>
+          </a:ln>
+          <a:effectLst/>
+        </p:spPr>
+      </p:cxnSp>
+      <p:cxnSp>
+        <p:nvCxnSpPr>
+          <p:cNvPr id="16" name="Connecteur droit avec flèche 15"/>
+          <p:cNvCxnSpPr>
+            <a:stCxn id="7" idx="3"/>
+            <a:endCxn id="8" idx="1"/>
+          </p:cNvCxnSpPr>
+          <p:nvPr/>
+        </p:nvCxnSpPr>
+        <p:spPr>
+          <a:xfrm>
+            <a:off x="2213482" y="1255771"/>
+            <a:ext cx="486310" cy="0"/>
+          </a:xfrm>
+          <a:prstGeom prst="straightConnector1">
+            <a:avLst/>
+          </a:prstGeom>
+          <a:noFill/>
+          <a:ln w="28575" cap="flat" cmpd="sng" algn="ctr">
+            <a:solidFill>
+              <a:srgbClr val="4F81BD">
+                <a:shade val="95000"/>
+                <a:satMod val="105000"/>
+              </a:srgbClr>
+            </a:solidFill>
+            <a:prstDash val="solid"/>
+            <a:tailEnd type="arrow"/>
+          </a:ln>
+          <a:effectLst/>
+        </p:spPr>
+      </p:cxnSp>
+      <p:cxnSp>
+        <p:nvCxnSpPr>
+          <p:cNvPr id="17" name="Connecteur droit avec flèche 16"/>
+          <p:cNvCxnSpPr>
+            <a:stCxn id="8" idx="3"/>
+            <a:endCxn id="9" idx="1"/>
+          </p:cNvCxnSpPr>
+          <p:nvPr/>
+        </p:nvCxnSpPr>
+        <p:spPr>
+          <a:xfrm>
+            <a:off x="4319792" y="1255771"/>
+            <a:ext cx="484465" cy="7818"/>
+          </a:xfrm>
+          <a:prstGeom prst="straightConnector1">
+            <a:avLst/>
+          </a:prstGeom>
+          <a:noFill/>
+          <a:ln w="28575" cap="flat" cmpd="sng" algn="ctr">
+            <a:solidFill>
+              <a:srgbClr val="4F81BD">
+                <a:shade val="95000"/>
+                <a:satMod val="105000"/>
+              </a:srgbClr>
+            </a:solidFill>
+            <a:prstDash val="solid"/>
+            <a:tailEnd type="arrow"/>
+          </a:ln>
+          <a:effectLst/>
+        </p:spPr>
+      </p:cxnSp>
+      <p:cxnSp>
+        <p:nvCxnSpPr>
+          <p:cNvPr id="18" name="Connecteur droit avec flèche 17"/>
+          <p:cNvCxnSpPr>
+            <a:stCxn id="9" idx="3"/>
+          </p:cNvCxnSpPr>
+          <p:nvPr/>
+        </p:nvCxnSpPr>
+        <p:spPr>
+          <a:xfrm>
+            <a:off x="6424257" y="1263589"/>
+            <a:ext cx="1249185" cy="0"/>
+          </a:xfrm>
+          <a:prstGeom prst="straightConnector1">
+            <a:avLst/>
+          </a:prstGeom>
+          <a:noFill/>
+          <a:ln w="28575" cap="flat" cmpd="sng" algn="ctr">
+            <a:solidFill>
+              <a:srgbClr val="4F81BD">
+                <a:shade val="95000"/>
+                <a:satMod val="105000"/>
+              </a:srgbClr>
+            </a:solidFill>
+            <a:prstDash val="solid"/>
+            <a:tailEnd type="arrow"/>
+          </a:ln>
+          <a:effectLst/>
+        </p:spPr>
+      </p:cxnSp>
+      <p:cxnSp>
+        <p:nvCxnSpPr>
+          <p:cNvPr id="19" name="Connecteur droit 18"/>
+          <p:cNvCxnSpPr/>
+          <p:nvPr/>
+        </p:nvCxnSpPr>
+        <p:spPr>
+          <a:xfrm>
+            <a:off x="6424257" y="1628800"/>
+            <a:ext cx="312296" cy="0"/>
+          </a:xfrm>
+          <a:prstGeom prst="line">
+            <a:avLst/>
+          </a:prstGeom>
+          <a:noFill/>
+          <a:ln w="28575" cap="flat" cmpd="sng" algn="ctr">
+            <a:solidFill>
+              <a:srgbClr val="C0504D">
+                <a:shade val="95000"/>
+                <a:satMod val="105000"/>
+              </a:srgbClr>
+            </a:solidFill>
+            <a:prstDash val="solid"/>
+          </a:ln>
+          <a:effectLst/>
+        </p:spPr>
+      </p:cxnSp>
+      <p:cxnSp>
+        <p:nvCxnSpPr>
+          <p:cNvPr id="20" name="Connecteur droit 19"/>
+          <p:cNvCxnSpPr/>
+          <p:nvPr/>
+        </p:nvCxnSpPr>
+        <p:spPr>
+          <a:xfrm>
+            <a:off x="2456637" y="2350241"/>
+            <a:ext cx="4279916" cy="0"/>
+          </a:xfrm>
+          <a:prstGeom prst="line">
+            <a:avLst/>
+          </a:prstGeom>
+          <a:noFill/>
+          <a:ln w="28575" cap="flat" cmpd="sng" algn="ctr">
+            <a:solidFill>
+              <a:srgbClr val="C0504D">
+                <a:shade val="95000"/>
+                <a:satMod val="105000"/>
+              </a:srgbClr>
+            </a:solidFill>
+            <a:prstDash val="solid"/>
+          </a:ln>
+          <a:effectLst/>
+        </p:spPr>
+      </p:cxnSp>
+      <p:cxnSp>
+        <p:nvCxnSpPr>
+          <p:cNvPr id="21" name="Connecteur droit 20"/>
+          <p:cNvCxnSpPr/>
+          <p:nvPr/>
+        </p:nvCxnSpPr>
+        <p:spPr>
+          <a:xfrm flipV="1">
+            <a:off x="6736553" y="1628801"/>
+            <a:ext cx="0" cy="721440"/>
+          </a:xfrm>
+          <a:prstGeom prst="line">
+            <a:avLst/>
+          </a:prstGeom>
+          <a:noFill/>
+          <a:ln w="28575" cap="flat" cmpd="sng" algn="ctr">
+            <a:solidFill>
+              <a:srgbClr val="C0504D">
+                <a:shade val="95000"/>
+                <a:satMod val="105000"/>
+              </a:srgbClr>
+            </a:solidFill>
+            <a:prstDash val="solid"/>
+          </a:ln>
+          <a:effectLst/>
+        </p:spPr>
+      </p:cxnSp>
+      <p:cxnSp>
+        <p:nvCxnSpPr>
+          <p:cNvPr id="22" name="Connecteur droit 21"/>
+          <p:cNvCxnSpPr/>
+          <p:nvPr/>
+        </p:nvCxnSpPr>
+        <p:spPr>
+          <a:xfrm flipV="1">
+            <a:off x="2456637" y="2345711"/>
+            <a:ext cx="0" cy="867265"/>
+          </a:xfrm>
+          <a:prstGeom prst="line">
+            <a:avLst/>
+          </a:prstGeom>
+          <a:noFill/>
+          <a:ln w="28575" cap="flat" cmpd="sng" algn="ctr">
+            <a:solidFill>
+              <a:srgbClr val="C0504D">
+                <a:shade val="95000"/>
+                <a:satMod val="105000"/>
+              </a:srgbClr>
+            </a:solidFill>
+            <a:prstDash val="solid"/>
+          </a:ln>
+          <a:effectLst/>
+        </p:spPr>
+      </p:cxnSp>
+      <p:cxnSp>
+        <p:nvCxnSpPr>
+          <p:cNvPr id="23" name="Connecteur droit 22"/>
+          <p:cNvCxnSpPr/>
+          <p:nvPr/>
+        </p:nvCxnSpPr>
+        <p:spPr>
+          <a:xfrm>
+            <a:off x="2456637" y="3212976"/>
+            <a:ext cx="243155" cy="0"/>
+          </a:xfrm>
+          <a:prstGeom prst="line">
+            <a:avLst/>
+          </a:prstGeom>
+          <a:noFill/>
+          <a:ln w="28575" cap="flat" cmpd="sng" algn="ctr">
+            <a:solidFill>
+              <a:srgbClr val="C0504D">
+                <a:shade val="95000"/>
+                <a:satMod val="105000"/>
+              </a:srgbClr>
+            </a:solidFill>
+            <a:prstDash val="solid"/>
+            <a:headEnd type="none" w="med" len="med"/>
+            <a:tailEnd type="arrow" w="med" len="med"/>
+          </a:ln>
+          <a:effectLst/>
+        </p:spPr>
+      </p:cxnSp>
+      <p:cxnSp>
+        <p:nvCxnSpPr>
+          <p:cNvPr id="24" name="Connecteur droit 23"/>
+          <p:cNvCxnSpPr>
+            <a:stCxn id="10" idx="3"/>
+            <a:endCxn id="11" idx="1"/>
+          </p:cNvCxnSpPr>
+          <p:nvPr/>
+        </p:nvCxnSpPr>
+        <p:spPr>
+          <a:xfrm>
+            <a:off x="2213482" y="3410928"/>
+            <a:ext cx="486310" cy="0"/>
+          </a:xfrm>
+          <a:prstGeom prst="line">
+            <a:avLst/>
+          </a:prstGeom>
+          <a:noFill/>
+          <a:ln w="28575" cap="flat" cmpd="sng" algn="ctr">
+            <a:solidFill>
+              <a:srgbClr val="C0504D">
+                <a:shade val="95000"/>
+                <a:satMod val="105000"/>
+              </a:srgbClr>
+            </a:solidFill>
+            <a:prstDash val="solid"/>
+            <a:headEnd type="none" w="med" len="med"/>
+            <a:tailEnd type="arrow" w="med" len="med"/>
+          </a:ln>
+          <a:effectLst/>
+        </p:spPr>
+      </p:cxnSp>
+      <p:cxnSp>
+        <p:nvCxnSpPr>
+          <p:cNvPr id="25" name="Connecteur droit 24"/>
+          <p:cNvCxnSpPr>
+            <a:stCxn id="11" idx="3"/>
+            <a:endCxn id="12" idx="1"/>
+          </p:cNvCxnSpPr>
+          <p:nvPr/>
+        </p:nvCxnSpPr>
+        <p:spPr>
+          <a:xfrm>
+            <a:off x="4319792" y="3410928"/>
+            <a:ext cx="484465" cy="0"/>
+          </a:xfrm>
+          <a:prstGeom prst="line">
+            <a:avLst/>
+          </a:prstGeom>
+          <a:noFill/>
+          <a:ln w="28575" cap="flat" cmpd="sng" algn="ctr">
+            <a:solidFill>
+              <a:srgbClr val="C0504D">
+                <a:shade val="95000"/>
+                <a:satMod val="105000"/>
+              </a:srgbClr>
+            </a:solidFill>
+            <a:prstDash val="solid"/>
+            <a:headEnd type="none" w="med" len="med"/>
+            <a:tailEnd type="arrow" w="med" len="med"/>
+          </a:ln>
+          <a:effectLst/>
+        </p:spPr>
+      </p:cxnSp>
+      <p:cxnSp>
+        <p:nvCxnSpPr>
+          <p:cNvPr id="26" name="Connecteur droit 25"/>
+          <p:cNvCxnSpPr>
+            <a:stCxn id="12" idx="3"/>
+            <a:endCxn id="13" idx="1"/>
+          </p:cNvCxnSpPr>
+          <p:nvPr/>
+        </p:nvCxnSpPr>
+        <p:spPr>
+          <a:xfrm>
+            <a:off x="6424257" y="3410928"/>
+            <a:ext cx="439185" cy="0"/>
+          </a:xfrm>
+          <a:prstGeom prst="line">
+            <a:avLst/>
+          </a:prstGeom>
+          <a:noFill/>
+          <a:ln w="28575" cap="flat" cmpd="sng" algn="ctr">
+            <a:solidFill>
+              <a:srgbClr val="C0504D">
+                <a:shade val="95000"/>
+                <a:satMod val="105000"/>
+              </a:srgbClr>
+            </a:solidFill>
+            <a:prstDash val="solid"/>
+            <a:headEnd type="none" w="med" len="med"/>
+            <a:tailEnd type="arrow" w="med" len="med"/>
+          </a:ln>
+          <a:effectLst/>
+        </p:spPr>
+      </p:cxnSp>
+      <p:cxnSp>
+        <p:nvCxnSpPr>
+          <p:cNvPr id="27" name="Connecteur droit 26"/>
+          <p:cNvCxnSpPr>
+            <a:stCxn id="13" idx="3"/>
+            <a:endCxn id="14" idx="1"/>
+          </p:cNvCxnSpPr>
+          <p:nvPr/>
+        </p:nvCxnSpPr>
+        <p:spPr>
+          <a:xfrm>
+            <a:off x="8483442" y="3410928"/>
+            <a:ext cx="409038" cy="2542"/>
+          </a:xfrm>
+          <a:prstGeom prst="line">
+            <a:avLst/>
+          </a:prstGeom>
+          <a:noFill/>
+          <a:ln w="28575" cap="flat" cmpd="sng" algn="ctr">
+            <a:solidFill>
+              <a:srgbClr val="C0504D">
+                <a:shade val="95000"/>
+                <a:satMod val="105000"/>
+              </a:srgbClr>
+            </a:solidFill>
+            <a:prstDash val="solid"/>
+            <a:headEnd type="none" w="med" len="med"/>
+            <a:tailEnd type="arrow" w="med" len="med"/>
+          </a:ln>
+          <a:effectLst/>
+        </p:spPr>
+      </p:cxnSp>
+      <p:cxnSp>
+        <p:nvCxnSpPr>
+          <p:cNvPr id="28" name="Connecteur droit 27"/>
+          <p:cNvCxnSpPr/>
+          <p:nvPr/>
+        </p:nvCxnSpPr>
+        <p:spPr>
+          <a:xfrm>
+            <a:off x="107172" y="3410928"/>
+            <a:ext cx="486310" cy="0"/>
+          </a:xfrm>
+          <a:prstGeom prst="line">
+            <a:avLst/>
+          </a:prstGeom>
+          <a:noFill/>
+          <a:ln w="28575" cap="flat" cmpd="sng" algn="ctr">
+            <a:solidFill>
+              <a:srgbClr val="C0504D">
+                <a:shade val="95000"/>
+                <a:satMod val="105000"/>
+              </a:srgbClr>
+            </a:solidFill>
+            <a:prstDash val="solid"/>
+            <a:headEnd type="none" w="med" len="med"/>
+            <a:tailEnd type="arrow" w="med" len="med"/>
+          </a:ln>
+          <a:effectLst/>
+        </p:spPr>
+      </p:cxnSp>
+      <p:cxnSp>
+        <p:nvCxnSpPr>
+          <p:cNvPr id="29" name="Connecteur droit 28"/>
+          <p:cNvCxnSpPr/>
+          <p:nvPr/>
+        </p:nvCxnSpPr>
+        <p:spPr>
+          <a:xfrm flipV="1">
+            <a:off x="8302419" y="-1"/>
+            <a:ext cx="0" cy="2779343"/>
+          </a:xfrm>
+          <a:prstGeom prst="line">
+            <a:avLst/>
+          </a:prstGeom>
+          <a:noFill/>
+          <a:ln w="28575" cap="flat" cmpd="sng" algn="ctr">
+            <a:solidFill>
+              <a:srgbClr val="92D050"/>
+            </a:solidFill>
+            <a:prstDash val="solid"/>
+          </a:ln>
+          <a:effectLst/>
+        </p:spPr>
+      </p:cxnSp>
+      <p:cxnSp>
+        <p:nvCxnSpPr>
+          <p:cNvPr id="30" name="Connecteur droit 29"/>
+          <p:cNvCxnSpPr/>
+          <p:nvPr/>
+        </p:nvCxnSpPr>
+        <p:spPr>
+          <a:xfrm flipH="1">
+            <a:off x="107172" y="0"/>
+            <a:ext cx="8195247" cy="0"/>
+          </a:xfrm>
+          <a:prstGeom prst="line">
+            <a:avLst/>
+          </a:prstGeom>
+          <a:noFill/>
+          <a:ln w="28575" cap="flat" cmpd="sng" algn="ctr">
+            <a:solidFill>
+              <a:srgbClr val="92D050"/>
+            </a:solidFill>
+            <a:prstDash val="solid"/>
+          </a:ln>
+          <a:effectLst/>
+        </p:spPr>
+      </p:cxnSp>
+      <p:cxnSp>
+        <p:nvCxnSpPr>
+          <p:cNvPr id="31" name="Connecteur droit 30"/>
+          <p:cNvCxnSpPr/>
+          <p:nvPr/>
+        </p:nvCxnSpPr>
+        <p:spPr>
+          <a:xfrm>
+            <a:off x="107172" y="1043647"/>
+            <a:ext cx="486310" cy="0"/>
+          </a:xfrm>
+          <a:prstGeom prst="line">
+            <a:avLst/>
+          </a:prstGeom>
+          <a:noFill/>
+          <a:ln w="28575" cap="flat" cmpd="sng" algn="ctr">
+            <a:solidFill>
+              <a:srgbClr val="92D050"/>
+            </a:solidFill>
+            <a:prstDash val="solid"/>
+            <a:headEnd type="none" w="med" len="med"/>
+            <a:tailEnd type="arrow" w="med" len="med"/>
+          </a:ln>
+          <a:effectLst/>
+        </p:spPr>
+      </p:cxnSp>
+      <p:cxnSp>
+        <p:nvCxnSpPr>
+          <p:cNvPr id="32" name="Connecteur droit 31"/>
+          <p:cNvCxnSpPr/>
+          <p:nvPr/>
+        </p:nvCxnSpPr>
+        <p:spPr>
+          <a:xfrm flipV="1">
+            <a:off x="107172" y="0"/>
+            <a:ext cx="0" cy="1043648"/>
+          </a:xfrm>
+          <a:prstGeom prst="line">
+            <a:avLst/>
+          </a:prstGeom>
+          <a:noFill/>
+          <a:ln w="28575" cap="flat" cmpd="sng" algn="ctr">
+            <a:solidFill>
+              <a:srgbClr val="92D050"/>
+            </a:solidFill>
+            <a:prstDash val="solid"/>
+          </a:ln>
+          <a:effectLst/>
+        </p:spPr>
+      </p:cxnSp>
+      <p:cxnSp>
+        <p:nvCxnSpPr>
+          <p:cNvPr id="33" name="Connecteur droit 32"/>
+          <p:cNvCxnSpPr/>
+          <p:nvPr/>
+        </p:nvCxnSpPr>
+        <p:spPr>
+          <a:xfrm>
+            <a:off x="10512480" y="2121710"/>
+            <a:ext cx="409038" cy="2542"/>
+          </a:xfrm>
+          <a:prstGeom prst="line">
+            <a:avLst/>
+          </a:prstGeom>
+          <a:noFill/>
+          <a:ln w="28575" cap="flat" cmpd="sng" algn="ctr">
+            <a:solidFill>
+              <a:srgbClr val="C0504D">
+                <a:shade val="95000"/>
+                <a:satMod val="105000"/>
+              </a:srgbClr>
+            </a:solidFill>
+            <a:prstDash val="solid"/>
+            <a:headEnd type="none" w="med" len="med"/>
+            <a:tailEnd type="arrow" w="med" len="med"/>
+          </a:ln>
+          <a:effectLst/>
+        </p:spPr>
+      </p:cxnSp>
+      <p:sp>
+        <p:nvSpPr>
+          <p:cNvPr id="34" name="Flèche vers le bas 33"/>
+          <p:cNvSpPr/>
+          <p:nvPr/>
+        </p:nvSpPr>
+        <p:spPr>
+          <a:xfrm>
+            <a:off x="9499890" y="1066427"/>
+            <a:ext cx="405180" cy="819344"/>
+          </a:xfrm>
+          <a:prstGeom prst="downArrow">
+            <a:avLst/>
+          </a:prstGeom>
+          <a:solidFill>
+            <a:sysClr val="window" lastClr="FFFFFF"/>
+          </a:solidFill>
+          <a:ln w="25400" cap="flat" cmpd="sng" algn="ctr">
+            <a:solidFill>
+              <a:srgbClr val="C0504D"/>
+            </a:solidFill>
+            <a:prstDash val="solid"/>
+          </a:ln>
+          <a:effectLst/>
+        </p:spPr>
+        <p:txBody>
+          <a:bodyPr rtlCol="0" anchor="ctr"/>
+          <a:lstStyle/>
+          <a:p>
+            <a:pPr marL="0" marR="0" lvl="0" indent="0" algn="ctr" defTabSz="914400" eaLnBrk="1" fontAlgn="auto" latinLnBrk="0" hangingPunct="1">
+              <a:lnSpc>
+                <a:spcPct val="100000"/>
+              </a:lnSpc>
+              <a:spcBef>
+                <a:spcPts val="0"/>
+              </a:spcBef>
+              <a:spcAft>
+                <a:spcPts val="0"/>
+              </a:spcAft>
+              <a:buClrTx/>
+              <a:buSzTx/>
+              <a:buFontTx/>
+              <a:buNone/>
+              <a:tabLst/>
+              <a:defRPr/>
+            </a:pPr>
+            <a:endParaRPr kumimoji="0" lang="fr-FR" sz="1600" b="0" i="0" u="none" strike="noStrike" kern="0" cap="none" spc="0" normalizeH="0" baseline="0" noProof="0" smtClean="0">
+              <a:ln>
+                <a:noFill/>
+              </a:ln>
+              <a:solidFill>
+                <a:prstClr val="black"/>
+              </a:solidFill>
+              <a:effectLst/>
+              <a:uLnTx/>
+              <a:uFillTx/>
+              <a:latin typeface="Calibri"/>
+              <a:ea typeface="+mn-ea"/>
+              <a:cs typeface="+mn-cs"/>
+            </a:endParaRPr>
+          </a:p>
+        </p:txBody>
+      </p:sp>
+      <p:sp>
+        <p:nvSpPr>
+          <p:cNvPr id="43" name="Rectangle 42"/>
+          <p:cNvSpPr/>
+          <p:nvPr/>
+        </p:nvSpPr>
+        <p:spPr>
+          <a:xfrm>
+            <a:off x="3626597" y="1940569"/>
+            <a:ext cx="1482684" cy="409672"/>
+          </a:xfrm>
+          <a:prstGeom prst="rect">
+            <a:avLst/>
+          </a:prstGeom>
+          <a:noFill/>
+          <a:ln w="9525" cap="flat" cmpd="sng" algn="ctr">
+            <a:noFill/>
+            <a:prstDash val="solid"/>
+          </a:ln>
+          <a:effectLst/>
+        </p:spPr>
+        <p:txBody>
+          <a:bodyPr rtlCol="0" anchor="ctr"/>
+          <a:lstStyle/>
+          <a:p>
+            <a:pPr marL="0" marR="0" lvl="0" indent="0" algn="ctr" defTabSz="914400" eaLnBrk="1" fontAlgn="auto" latinLnBrk="0" hangingPunct="1">
+              <a:lnSpc>
+                <a:spcPct val="100000"/>
+              </a:lnSpc>
+              <a:spcBef>
+                <a:spcPts val="0"/>
+              </a:spcBef>
+              <a:spcAft>
+                <a:spcPts val="0"/>
+              </a:spcAft>
+              <a:buClrTx/>
+              <a:buSzTx/>
+              <a:buFontTx/>
+              <a:buNone/>
+              <a:tabLst/>
+              <a:defRPr/>
+            </a:pPr>
+            <a:r>
+              <a:rPr kumimoji="0" lang="fr-FR" sz="1600" b="1" i="0" u="none" strike="noStrike" kern="0" cap="none" spc="0" normalizeH="0" baseline="0" noProof="0" dirty="0" smtClean="0">
+                <a:ln>
+                  <a:noFill/>
+                </a:ln>
+                <a:solidFill>
+                  <a:srgbClr val="C00000"/>
+                </a:solidFill>
+                <a:effectLst/>
+                <a:uLnTx/>
+                <a:uFillTx/>
+                <a:latin typeface="Calibri"/>
+                <a:ea typeface="+mn-ea"/>
+                <a:cs typeface="+mn-cs"/>
+              </a:rPr>
+              <a:t>Ordres</a:t>
+            </a:r>
+          </a:p>
+        </p:txBody>
+      </p:sp>
+      <p:sp>
+        <p:nvSpPr>
+          <p:cNvPr id="44" name="Rectangle 43"/>
+          <p:cNvSpPr/>
+          <p:nvPr/>
+        </p:nvSpPr>
+        <p:spPr>
+          <a:xfrm>
+            <a:off x="8114035" y="116632"/>
+            <a:ext cx="1482684" cy="949795"/>
+          </a:xfrm>
+          <a:prstGeom prst="rect">
+            <a:avLst/>
+          </a:prstGeom>
+          <a:noFill/>
+          <a:ln w="9525" cap="flat" cmpd="sng" algn="ctr">
+            <a:noFill/>
+            <a:prstDash val="solid"/>
+          </a:ln>
+          <a:effectLst/>
+        </p:spPr>
+        <p:txBody>
+          <a:bodyPr rtlCol="0" anchor="ctr"/>
+          <a:lstStyle/>
+          <a:p>
+            <a:pPr marL="0" marR="0" lvl="0" indent="0" algn="ctr" defTabSz="914400" eaLnBrk="1" fontAlgn="auto" latinLnBrk="0" hangingPunct="1">
+              <a:lnSpc>
+                <a:spcPct val="100000"/>
+              </a:lnSpc>
+              <a:spcBef>
+                <a:spcPts val="0"/>
+              </a:spcBef>
+              <a:spcAft>
+                <a:spcPts val="0"/>
+              </a:spcAft>
+              <a:buClrTx/>
+              <a:buSzTx/>
+              <a:buFontTx/>
+              <a:buNone/>
+              <a:tabLst/>
+              <a:defRPr/>
+            </a:pPr>
+            <a:r>
+              <a:rPr kumimoji="0" lang="fr-FR" sz="1400" b="1" i="0" u="none" strike="noStrike" kern="0" cap="none" spc="0" normalizeH="0" baseline="0" noProof="0" dirty="0" smtClean="0">
+                <a:ln>
+                  <a:noFill/>
+                </a:ln>
+                <a:solidFill>
+                  <a:srgbClr val="92D050"/>
+                </a:solidFill>
+                <a:effectLst/>
+                <a:uLnTx/>
+                <a:uFillTx/>
+                <a:latin typeface="Calibri"/>
+                <a:ea typeface="+mn-ea"/>
+                <a:cs typeface="+mn-cs"/>
+              </a:rPr>
+              <a:t>Grandeurs physiques à acquérir</a:t>
+            </a:r>
+          </a:p>
+        </p:txBody>
+      </p:sp>
+      <p:sp>
+        <p:nvSpPr>
+          <p:cNvPr id="45" name="Rectangle 44"/>
+          <p:cNvSpPr/>
+          <p:nvPr/>
+        </p:nvSpPr>
+        <p:spPr>
+          <a:xfrm>
+            <a:off x="6823727" y="305976"/>
+            <a:ext cx="1452974" cy="949795"/>
+          </a:xfrm>
+          <a:prstGeom prst="rect">
+            <a:avLst/>
+          </a:prstGeom>
+          <a:noFill/>
+          <a:ln w="9525" cap="flat" cmpd="sng" algn="ctr">
+            <a:noFill/>
+            <a:prstDash val="solid"/>
+          </a:ln>
+          <a:effectLst/>
+        </p:spPr>
+        <p:txBody>
+          <a:bodyPr rtlCol="0" anchor="ctr"/>
+          <a:lstStyle/>
+          <a:p>
+            <a:pPr marL="0" marR="0" lvl="0" indent="0" algn="ctr" defTabSz="914400" eaLnBrk="1" fontAlgn="auto" latinLnBrk="0" hangingPunct="1">
+              <a:lnSpc>
+                <a:spcPct val="100000"/>
+              </a:lnSpc>
+              <a:spcBef>
+                <a:spcPts val="0"/>
+              </a:spcBef>
+              <a:spcAft>
+                <a:spcPts val="0"/>
+              </a:spcAft>
+              <a:buClrTx/>
+              <a:buSzTx/>
+              <a:buFontTx/>
+              <a:buNone/>
+              <a:tabLst/>
+              <a:defRPr/>
+            </a:pPr>
+            <a:r>
+              <a:rPr kumimoji="0" lang="fr-FR" sz="1200" b="1" i="0" u="none" strike="noStrike" kern="0" cap="none" spc="0" normalizeH="0" baseline="0" noProof="0" dirty="0" smtClean="0">
+                <a:ln>
+                  <a:noFill/>
+                </a:ln>
+                <a:solidFill>
+                  <a:srgbClr val="00B0F0"/>
+                </a:solidFill>
+                <a:effectLst/>
+                <a:uLnTx/>
+                <a:uFillTx/>
+                <a:latin typeface="Calibri"/>
+                <a:ea typeface="+mn-ea"/>
+                <a:cs typeface="+mn-cs"/>
+              </a:rPr>
+              <a:t>Infos destinées à d’autres interfaces H/M</a:t>
+            </a:r>
+          </a:p>
+        </p:txBody>
+      </p:sp>
+      <p:sp>
+        <p:nvSpPr>
+          <p:cNvPr id="46" name="Rectangle 45"/>
+          <p:cNvSpPr/>
+          <p:nvPr/>
+        </p:nvSpPr>
+        <p:spPr>
+          <a:xfrm>
+            <a:off x="-1188640" y="1052736"/>
+            <a:ext cx="1452974" cy="949795"/>
+          </a:xfrm>
+          <a:prstGeom prst="rect">
+            <a:avLst/>
+          </a:prstGeom>
+          <a:noFill/>
+          <a:ln w="9525" cap="flat" cmpd="sng" algn="ctr">
+            <a:noFill/>
+            <a:prstDash val="solid"/>
+          </a:ln>
+          <a:effectLst/>
+        </p:spPr>
+        <p:txBody>
+          <a:bodyPr rtlCol="0" anchor="ctr"/>
+          <a:lstStyle/>
+          <a:p>
+            <a:pPr marL="0" marR="0" lvl="0" indent="0" algn="ctr" defTabSz="914400" eaLnBrk="1" fontAlgn="auto" latinLnBrk="0" hangingPunct="1">
+              <a:lnSpc>
+                <a:spcPct val="100000"/>
+              </a:lnSpc>
+              <a:spcBef>
+                <a:spcPts val="0"/>
+              </a:spcBef>
+              <a:spcAft>
+                <a:spcPts val="0"/>
+              </a:spcAft>
+              <a:buClrTx/>
+              <a:buSzTx/>
+              <a:buFontTx/>
+              <a:buNone/>
+              <a:tabLst/>
+              <a:defRPr/>
+            </a:pPr>
+            <a:r>
+              <a:rPr kumimoji="0" lang="fr-FR" sz="1200" b="1" i="0" u="none" strike="noStrike" kern="0" cap="none" spc="0" normalizeH="0" baseline="0" noProof="0" dirty="0" smtClean="0">
+                <a:ln>
+                  <a:noFill/>
+                </a:ln>
+                <a:solidFill>
+                  <a:srgbClr val="00B0F0"/>
+                </a:solidFill>
+                <a:effectLst/>
+                <a:uLnTx/>
+                <a:uFillTx/>
+                <a:latin typeface="Calibri"/>
+                <a:ea typeface="+mn-ea"/>
+                <a:cs typeface="+mn-cs"/>
+              </a:rPr>
+              <a:t>Infos issues de d’autres interfaces H/M</a:t>
+            </a:r>
+          </a:p>
+        </p:txBody>
+      </p:sp>
+      <p:sp>
+        <p:nvSpPr>
+          <p:cNvPr id="47" name="Rectangle 46"/>
+          <p:cNvSpPr/>
+          <p:nvPr/>
+        </p:nvSpPr>
+        <p:spPr>
+          <a:xfrm>
+            <a:off x="0" y="4500570"/>
+            <a:ext cx="2952530" cy="474897"/>
+          </a:xfrm>
+          <a:prstGeom prst="rect">
+            <a:avLst/>
+          </a:prstGeom>
+          <a:noFill/>
+          <a:ln w="9525" cap="flat" cmpd="sng" algn="ctr">
+            <a:noFill/>
+            <a:prstDash val="solid"/>
+          </a:ln>
+          <a:effectLst/>
+        </p:spPr>
+        <p:txBody>
+          <a:bodyPr rtlCol="0" anchor="ctr"/>
+          <a:lstStyle/>
+          <a:p>
+            <a:pPr marL="0" marR="0" lvl="0" indent="0" algn="ctr" defTabSz="914400" eaLnBrk="1" fontAlgn="auto" latinLnBrk="0" hangingPunct="1">
+              <a:lnSpc>
+                <a:spcPct val="100000"/>
+              </a:lnSpc>
+              <a:spcBef>
+                <a:spcPts val="0"/>
+              </a:spcBef>
+              <a:spcAft>
+                <a:spcPts val="0"/>
+              </a:spcAft>
+              <a:buClrTx/>
+              <a:buSzTx/>
+              <a:buFontTx/>
+              <a:buNone/>
+              <a:tabLst/>
+              <a:defRPr/>
+            </a:pPr>
+            <a:r>
+              <a:rPr kumimoji="0" lang="fr-FR" sz="1200" b="1" i="0" u="none" strike="noStrike" kern="0" cap="none" spc="0" normalizeH="0" baseline="0" noProof="0" dirty="0" smtClean="0">
+                <a:ln>
+                  <a:noFill/>
+                </a:ln>
+                <a:solidFill>
+                  <a:srgbClr val="00B0F0"/>
+                </a:solidFill>
+                <a:effectLst/>
+                <a:uLnTx/>
+                <a:uFillTx/>
+                <a:latin typeface="Calibri"/>
+                <a:ea typeface="+mn-ea"/>
+                <a:cs typeface="+mn-cs"/>
+              </a:rPr>
+              <a:t>H/M : Homme – Machine </a:t>
+            </a:r>
+          </a:p>
+        </p:txBody>
+      </p:sp>
+      <p:sp>
+        <p:nvSpPr>
+          <p:cNvPr id="48" name="Rectangle 47"/>
+          <p:cNvSpPr/>
+          <p:nvPr/>
+        </p:nvSpPr>
+        <p:spPr>
+          <a:xfrm>
+            <a:off x="8961138" y="591529"/>
+            <a:ext cx="1482684" cy="409672"/>
+          </a:xfrm>
+          <a:prstGeom prst="rect">
+            <a:avLst/>
+          </a:prstGeom>
+          <a:noFill/>
+          <a:ln w="9525" cap="flat" cmpd="sng" algn="ctr">
+            <a:noFill/>
+            <a:prstDash val="solid"/>
+          </a:ln>
+          <a:effectLst/>
+        </p:spPr>
+        <p:txBody>
+          <a:bodyPr rtlCol="0" anchor="ctr"/>
+          <a:lstStyle/>
+          <a:p>
+            <a:pPr marL="0" marR="0" lvl="0" indent="0" algn="ctr" defTabSz="914400" eaLnBrk="1" fontAlgn="auto" latinLnBrk="0" hangingPunct="1">
+              <a:lnSpc>
+                <a:spcPct val="100000"/>
+              </a:lnSpc>
+              <a:spcBef>
+                <a:spcPts val="0"/>
+              </a:spcBef>
+              <a:spcAft>
+                <a:spcPts val="0"/>
+              </a:spcAft>
+              <a:buClrTx/>
+              <a:buSzTx/>
+              <a:buFontTx/>
+              <a:buNone/>
+              <a:tabLst/>
+              <a:defRPr/>
+            </a:pPr>
+            <a:r>
+              <a:rPr kumimoji="0" lang="fr-FR" sz="1600" b="1" i="0" u="none" strike="noStrike" kern="0" cap="none" spc="0" normalizeH="0" baseline="0" noProof="0" dirty="0" smtClean="0">
+                <a:ln>
+                  <a:noFill/>
+                </a:ln>
+                <a:solidFill>
+                  <a:srgbClr val="C00000"/>
+                </a:solidFill>
+                <a:effectLst/>
+                <a:uLnTx/>
+                <a:uFillTx/>
+                <a:latin typeface="Calibri"/>
+                <a:ea typeface="+mn-ea"/>
+                <a:cs typeface="+mn-cs"/>
+              </a:rPr>
+              <a:t>Cap initial</a:t>
+            </a:r>
+            <a:endParaRPr kumimoji="0" lang="fr-FR" sz="1600" b="1" i="0" u="none" strike="noStrike" kern="0" cap="none" spc="0" normalizeH="0" baseline="0" noProof="0" dirty="0" smtClean="0">
+              <a:ln>
+                <a:noFill/>
+              </a:ln>
+              <a:solidFill>
+                <a:srgbClr val="C00000"/>
+              </a:solidFill>
+              <a:effectLst/>
+              <a:uLnTx/>
+              <a:uFillTx/>
+              <a:latin typeface="Calibri"/>
+              <a:ea typeface="+mn-ea"/>
+              <a:cs typeface="+mn-cs"/>
+            </a:endParaRPr>
+          </a:p>
+        </p:txBody>
+      </p:sp>
+      <p:sp>
+        <p:nvSpPr>
+          <p:cNvPr id="49" name="Rectangle 48"/>
+          <p:cNvSpPr/>
+          <p:nvPr/>
+        </p:nvSpPr>
+        <p:spPr>
+          <a:xfrm>
+            <a:off x="8687961" y="5760512"/>
+            <a:ext cx="2029038" cy="409672"/>
+          </a:xfrm>
+          <a:prstGeom prst="rect">
+            <a:avLst/>
+          </a:prstGeom>
+          <a:noFill/>
+          <a:ln w="9525" cap="flat" cmpd="sng" algn="ctr">
+            <a:noFill/>
+            <a:prstDash val="solid"/>
+          </a:ln>
+          <a:effectLst/>
+        </p:spPr>
+        <p:txBody>
+          <a:bodyPr rtlCol="0" anchor="ctr"/>
+          <a:lstStyle/>
+          <a:p>
+            <a:pPr marL="0" marR="0" lvl="0" indent="0" algn="ctr" defTabSz="914400" eaLnBrk="1" fontAlgn="auto" latinLnBrk="0" hangingPunct="1">
+              <a:lnSpc>
+                <a:spcPct val="100000"/>
+              </a:lnSpc>
+              <a:spcBef>
+                <a:spcPts val="0"/>
+              </a:spcBef>
+              <a:spcAft>
+                <a:spcPts val="0"/>
+              </a:spcAft>
+              <a:buClrTx/>
+              <a:buSzTx/>
+              <a:buFontTx/>
+              <a:buNone/>
+              <a:tabLst/>
+              <a:defRPr/>
+            </a:pPr>
+            <a:r>
+              <a:rPr kumimoji="0" lang="fr-FR" sz="1600" b="1" i="0" u="none" strike="noStrike" kern="0" cap="none" spc="0" normalizeH="0" baseline="0" noProof="0" dirty="0" smtClean="0">
+                <a:ln>
+                  <a:noFill/>
+                </a:ln>
+                <a:solidFill>
+                  <a:srgbClr val="C00000"/>
+                </a:solidFill>
+                <a:effectLst/>
+                <a:uLnTx/>
+                <a:uFillTx/>
+                <a:latin typeface="Calibri"/>
+                <a:ea typeface="+mn-ea"/>
+                <a:cs typeface="+mn-cs"/>
+              </a:rPr>
+              <a:t>Cap final</a:t>
+            </a:r>
+            <a:endParaRPr kumimoji="0" lang="fr-FR" sz="1600" b="1" i="0" u="none" strike="noStrike" kern="0" cap="none" spc="0" normalizeH="0" baseline="0" noProof="0" dirty="0" smtClean="0">
+              <a:ln>
+                <a:noFill/>
+              </a:ln>
+              <a:solidFill>
+                <a:srgbClr val="C00000"/>
+              </a:solidFill>
+              <a:effectLst/>
+              <a:uLnTx/>
+              <a:uFillTx/>
+              <a:latin typeface="Calibri"/>
+              <a:ea typeface="+mn-ea"/>
+              <a:cs typeface="+mn-cs"/>
+            </a:endParaRPr>
+          </a:p>
+        </p:txBody>
+      </p:sp>
+    </p:spTree>
+  </p:cSld>
+  <p:clrMapOvr>
+    <a:masterClrMapping/>
+  </p:clrMapOvr>
+</p:sld>
+</file>
+
+<file path=ppt/slides/slide3.xml><?xml version="1.0" encoding="utf-8"?>
+<p:sld xmlns:a="http://schemas.openxmlformats.org/drawingml/2006/main" xmlns:r="http://schemas.openxmlformats.org/officeDocument/2006/relationships" xmlns:p="http://schemas.openxmlformats.org/presentationml/2006/main">
+  <p:cSld>
+    <p:spTree>
+      <p:nvGrpSpPr>
+        <p:cNvPr id="1" name=""/>
+        <p:cNvGrpSpPr/>
+        <p:nvPr/>
+      </p:nvGrpSpPr>
+      <p:grpSpPr>
+        <a:xfrm>
+          <a:off x="0" y="0"/>
+          <a:ext cx="0" cy="0"/>
+          <a:chOff x="0" y="0"/>
+          <a:chExt cx="0" cy="0"/>
+        </a:xfrm>
+      </p:grpSpPr>
+      <p:sp>
+        <p:nvSpPr>
+          <p:cNvPr id="4" name="Flèche vers le bas 3"/>
+          <p:cNvSpPr/>
+          <p:nvPr/>
+        </p:nvSpPr>
+        <p:spPr>
+          <a:xfrm>
+            <a:off x="9499890" y="4941168"/>
+            <a:ext cx="405180" cy="819344"/>
+          </a:xfrm>
+          <a:prstGeom prst="downArrow">
+            <a:avLst/>
+          </a:prstGeom>
+          <a:solidFill>
+            <a:sysClr val="window" lastClr="FFFFFF"/>
+          </a:solidFill>
+          <a:ln w="25400" cap="flat" cmpd="sng" algn="ctr">
+            <a:solidFill>
+              <a:srgbClr val="C0504D"/>
+            </a:solidFill>
+            <a:prstDash val="solid"/>
+          </a:ln>
+          <a:effectLst/>
+        </p:spPr>
+        <p:txBody>
+          <a:bodyPr rtlCol="0" anchor="ctr"/>
+          <a:lstStyle/>
+          <a:p>
+            <a:pPr marL="0" marR="0" lvl="0" indent="0" algn="ctr" defTabSz="914400" eaLnBrk="1" fontAlgn="auto" latinLnBrk="0" hangingPunct="1">
+              <a:lnSpc>
+                <a:spcPct val="100000"/>
+              </a:lnSpc>
+              <a:spcBef>
+                <a:spcPts val="0"/>
+              </a:spcBef>
+              <a:spcAft>
+                <a:spcPts val="0"/>
+              </a:spcAft>
+              <a:buClrTx/>
+              <a:buSzTx/>
+              <a:buFontTx/>
+              <a:buNone/>
+              <a:tabLst/>
+              <a:defRPr/>
+            </a:pPr>
+            <a:endParaRPr kumimoji="0" lang="fr-FR" sz="1600" b="0" i="0" u="none" strike="noStrike" kern="0" cap="none" spc="0" normalizeH="0" baseline="0" noProof="0" smtClean="0">
+              <a:ln>
+                <a:noFill/>
+              </a:ln>
+              <a:solidFill>
+                <a:prstClr val="black"/>
+              </a:solidFill>
+              <a:effectLst/>
+              <a:uLnTx/>
+              <a:uFillTx/>
+              <a:latin typeface="Calibri"/>
+              <a:ea typeface="+mn-ea"/>
+              <a:cs typeface="+mn-cs"/>
+            </a:endParaRPr>
+          </a:p>
+        </p:txBody>
+      </p:sp>
+      <p:sp>
+        <p:nvSpPr>
+          <p:cNvPr id="5" name="Rectangle à coins arrondis 4"/>
+          <p:cNvSpPr/>
+          <p:nvPr/>
+        </p:nvSpPr>
+        <p:spPr>
+          <a:xfrm>
+            <a:off x="389752" y="2779343"/>
+            <a:ext cx="10446944" cy="1729778"/>
+          </a:xfrm>
+          <a:prstGeom prst="roundRect">
+            <a:avLst/>
+          </a:prstGeom>
+          <a:solidFill>
+            <a:sysClr val="window" lastClr="FFFFFF"/>
+          </a:solidFill>
+          <a:ln w="25400" cap="flat" cmpd="sng" algn="ctr">
+            <a:solidFill>
+              <a:srgbClr val="C0504D"/>
+            </a:solidFill>
+            <a:prstDash val="solid"/>
+          </a:ln>
+          <a:effectLst/>
+        </p:spPr>
+        <p:txBody>
+          <a:bodyPr rtlCol="0" anchor="b"/>
+          <a:lstStyle/>
+          <a:p>
+            <a:pPr marL="0" marR="0" lvl="0" indent="0" algn="ctr" defTabSz="914400" eaLnBrk="1" fontAlgn="auto" latinLnBrk="0" hangingPunct="1">
+              <a:lnSpc>
+                <a:spcPct val="100000"/>
+              </a:lnSpc>
+              <a:spcBef>
+                <a:spcPts val="0"/>
+              </a:spcBef>
+              <a:spcAft>
+                <a:spcPts val="0"/>
+              </a:spcAft>
+              <a:buClrTx/>
+              <a:buSzTx/>
+              <a:buFontTx/>
+              <a:buNone/>
+              <a:tabLst/>
+              <a:defRPr/>
+            </a:pPr>
+            <a:r>
+              <a:rPr kumimoji="0" lang="fr-FR" sz="1400" b="0" i="1" u="none" strike="noStrike" kern="0" cap="none" spc="0" normalizeH="0" baseline="0" noProof="0" dirty="0" smtClean="0">
+                <a:ln>
+                  <a:noFill/>
+                </a:ln>
+                <a:solidFill>
+                  <a:prstClr val="black"/>
+                </a:solidFill>
+                <a:effectLst/>
+                <a:uLnTx/>
+                <a:uFillTx/>
+                <a:latin typeface="Calibri"/>
+                <a:ea typeface="+mn-ea"/>
+                <a:cs typeface="+mn-cs"/>
+              </a:rPr>
+              <a:t>Chaîne d’énergie</a:t>
+            </a:r>
+          </a:p>
+        </p:txBody>
+      </p:sp>
+      <p:sp>
+        <p:nvSpPr>
+          <p:cNvPr id="6" name="Rectangle à coins arrondis 5"/>
+          <p:cNvSpPr/>
+          <p:nvPr/>
+        </p:nvSpPr>
+        <p:spPr>
+          <a:xfrm>
+            <a:off x="389752" y="328111"/>
+            <a:ext cx="6473690" cy="1557660"/>
+          </a:xfrm>
+          <a:prstGeom prst="roundRect">
+            <a:avLst/>
+          </a:prstGeom>
+          <a:solidFill>
+            <a:sysClr val="window" lastClr="FFFFFF"/>
+          </a:solidFill>
+          <a:ln w="25400" cap="flat" cmpd="sng" algn="ctr">
+            <a:solidFill>
+              <a:srgbClr val="4F81BD"/>
+            </a:solidFill>
+            <a:prstDash val="solid"/>
+          </a:ln>
+          <a:effectLst/>
+        </p:spPr>
+        <p:txBody>
+          <a:bodyPr rtlCol="0" anchor="t"/>
+          <a:lstStyle/>
+          <a:p>
+            <a:pPr marL="0" marR="0" lvl="0" indent="0" algn="ctr" defTabSz="914400" eaLnBrk="1" fontAlgn="auto" latinLnBrk="0" hangingPunct="1">
+              <a:lnSpc>
+                <a:spcPct val="100000"/>
+              </a:lnSpc>
+              <a:spcBef>
+                <a:spcPts val="0"/>
+              </a:spcBef>
+              <a:spcAft>
+                <a:spcPts val="0"/>
+              </a:spcAft>
+              <a:buClrTx/>
+              <a:buSzTx/>
+              <a:buFontTx/>
+              <a:buNone/>
+              <a:tabLst/>
+              <a:defRPr/>
+            </a:pPr>
+            <a:r>
+              <a:rPr kumimoji="0" lang="fr-FR" sz="1400" b="0" i="1" u="none" strike="noStrike" kern="0" cap="none" spc="0" normalizeH="0" baseline="0" noProof="0" dirty="0" smtClean="0">
+                <a:ln>
+                  <a:noFill/>
+                </a:ln>
+                <a:solidFill>
+                  <a:prstClr val="black"/>
+                </a:solidFill>
+                <a:effectLst/>
+                <a:uLnTx/>
+                <a:uFillTx/>
+                <a:latin typeface="Calibri"/>
+                <a:ea typeface="+mn-ea"/>
+                <a:cs typeface="+mn-cs"/>
+              </a:rPr>
+              <a:t>Chaîne d’information</a:t>
+            </a:r>
+          </a:p>
+        </p:txBody>
+      </p:sp>
+      <p:sp>
+        <p:nvSpPr>
+          <p:cNvPr id="7" name="Rectangle 6"/>
+          <p:cNvSpPr/>
+          <p:nvPr/>
+        </p:nvSpPr>
+        <p:spPr>
+          <a:xfrm>
+            <a:off x="593482" y="908720"/>
+            <a:ext cx="1620000" cy="694102"/>
+          </a:xfrm>
+          <a:prstGeom prst="rect">
+            <a:avLst/>
+          </a:prstGeom>
+          <a:gradFill rotWithShape="1">
+            <a:gsLst>
+              <a:gs pos="0">
+                <a:srgbClr val="4F81BD">
+                  <a:tint val="50000"/>
+                  <a:satMod val="300000"/>
+                </a:srgbClr>
+              </a:gs>
+              <a:gs pos="35000">
+                <a:srgbClr val="4F81BD">
+                  <a:tint val="37000"/>
+                  <a:satMod val="300000"/>
+                </a:srgbClr>
+              </a:gs>
+              <a:gs pos="100000">
+                <a:srgbClr val="4F81BD">
+                  <a:tint val="15000"/>
+                  <a:satMod val="350000"/>
+                </a:srgbClr>
+              </a:gs>
+            </a:gsLst>
+            <a:lin ang="16200000" scaled="1"/>
+          </a:gradFill>
+          <a:ln w="9525" cap="flat" cmpd="sng" algn="ctr">
+            <a:solidFill>
+              <a:srgbClr val="4F81BD">
+                <a:shade val="95000"/>
+                <a:satMod val="105000"/>
+              </a:srgbClr>
+            </a:solidFill>
+            <a:prstDash val="solid"/>
+          </a:ln>
+          <a:effectLst>
+            <a:outerShdw blurRad="40000" dist="20000" dir="5400000" rotWithShape="0">
+              <a:srgbClr val="000000">
+                <a:alpha val="38000"/>
+              </a:srgbClr>
+            </a:outerShdw>
+          </a:effectLst>
+        </p:spPr>
+        <p:txBody>
+          <a:bodyPr rtlCol="0" anchor="t"/>
+          <a:lstStyle/>
+          <a:p>
+            <a:pPr marL="0" marR="0" lvl="0" indent="0" algn="ctr" defTabSz="914400" eaLnBrk="1" fontAlgn="auto" latinLnBrk="0" hangingPunct="1">
+              <a:lnSpc>
+                <a:spcPct val="100000"/>
+              </a:lnSpc>
+              <a:spcBef>
+                <a:spcPts val="0"/>
+              </a:spcBef>
+              <a:spcAft>
+                <a:spcPts val="0"/>
+              </a:spcAft>
+              <a:buClrTx/>
+              <a:buSzTx/>
+              <a:buFontTx/>
+              <a:buNone/>
+              <a:tabLst/>
+              <a:defRPr/>
+            </a:pPr>
+            <a:r>
+              <a:rPr kumimoji="0" lang="fr-FR" sz="1400" b="0" i="0" u="none" strike="noStrike" kern="0" cap="none" spc="0" normalizeH="0" baseline="0" noProof="0" dirty="0" smtClean="0">
+                <a:ln>
+                  <a:noFill/>
+                </a:ln>
+                <a:solidFill>
+                  <a:prstClr val="black"/>
+                </a:solidFill>
+                <a:effectLst/>
+                <a:uLnTx/>
+                <a:uFillTx/>
+                <a:latin typeface="Calibri"/>
+                <a:ea typeface="+mn-ea"/>
+                <a:cs typeface="+mn-cs"/>
+              </a:rPr>
+              <a:t>ACQUERIR</a:t>
+            </a:r>
+          </a:p>
+        </p:txBody>
+      </p:sp>
+      <p:sp>
+        <p:nvSpPr>
+          <p:cNvPr id="8" name="Rectangle 7"/>
+          <p:cNvSpPr/>
+          <p:nvPr/>
+        </p:nvSpPr>
+        <p:spPr>
+          <a:xfrm>
+            <a:off x="2699792" y="908720"/>
+            <a:ext cx="1620000" cy="694102"/>
+          </a:xfrm>
+          <a:prstGeom prst="rect">
+            <a:avLst/>
+          </a:prstGeom>
+          <a:gradFill rotWithShape="1">
+            <a:gsLst>
+              <a:gs pos="0">
+                <a:srgbClr val="4F81BD">
+                  <a:tint val="50000"/>
+                  <a:satMod val="300000"/>
+                </a:srgbClr>
+              </a:gs>
+              <a:gs pos="35000">
+                <a:srgbClr val="4F81BD">
+                  <a:tint val="37000"/>
+                  <a:satMod val="300000"/>
+                </a:srgbClr>
+              </a:gs>
+              <a:gs pos="100000">
+                <a:srgbClr val="4F81BD">
+                  <a:tint val="15000"/>
+                  <a:satMod val="350000"/>
+                </a:srgbClr>
+              </a:gs>
+            </a:gsLst>
+            <a:lin ang="16200000" scaled="1"/>
+          </a:gradFill>
+          <a:ln w="9525" cap="flat" cmpd="sng" algn="ctr">
+            <a:solidFill>
+              <a:srgbClr val="4F81BD">
+                <a:shade val="95000"/>
+                <a:satMod val="105000"/>
+              </a:srgbClr>
+            </a:solidFill>
+            <a:prstDash val="solid"/>
+          </a:ln>
+          <a:effectLst>
+            <a:outerShdw blurRad="40000" dist="20000" dir="5400000" rotWithShape="0">
+              <a:srgbClr val="000000">
+                <a:alpha val="38000"/>
+              </a:srgbClr>
+            </a:outerShdw>
+          </a:effectLst>
+        </p:spPr>
+        <p:txBody>
+          <a:bodyPr rtlCol="0" anchor="t"/>
+          <a:lstStyle/>
+          <a:p>
+            <a:pPr marL="0" marR="0" lvl="0" indent="0" algn="ctr" defTabSz="914400" eaLnBrk="1" fontAlgn="auto" latinLnBrk="0" hangingPunct="1">
+              <a:lnSpc>
+                <a:spcPct val="100000"/>
+              </a:lnSpc>
+              <a:spcBef>
+                <a:spcPts val="0"/>
+              </a:spcBef>
+              <a:spcAft>
+                <a:spcPts val="0"/>
+              </a:spcAft>
+              <a:buClrTx/>
+              <a:buSzTx/>
+              <a:buFontTx/>
+              <a:buNone/>
+              <a:tabLst/>
+              <a:defRPr/>
+            </a:pPr>
+            <a:r>
+              <a:rPr kumimoji="0" lang="fr-FR" sz="1400" b="0" i="0" u="none" strike="noStrike" kern="0" cap="none" spc="0" normalizeH="0" baseline="0" noProof="0" dirty="0" smtClean="0">
+                <a:ln>
+                  <a:noFill/>
+                </a:ln>
+                <a:solidFill>
+                  <a:prstClr val="black"/>
+                </a:solidFill>
+                <a:effectLst/>
+                <a:uLnTx/>
+                <a:uFillTx/>
+                <a:latin typeface="Calibri"/>
+                <a:ea typeface="+mn-ea"/>
+                <a:cs typeface="+mn-cs"/>
+              </a:rPr>
+              <a:t>TRAITER</a:t>
+            </a:r>
+          </a:p>
+          <a:p>
+            <a:pPr marL="0" marR="0" lvl="0" indent="0" algn="ctr" defTabSz="914400" eaLnBrk="1" fontAlgn="auto" latinLnBrk="0" hangingPunct="1">
+              <a:lnSpc>
+                <a:spcPct val="100000"/>
+              </a:lnSpc>
+              <a:spcBef>
+                <a:spcPts val="0"/>
+              </a:spcBef>
+              <a:spcAft>
+                <a:spcPts val="0"/>
+              </a:spcAft>
+              <a:buClrTx/>
+              <a:buSzTx/>
+              <a:buFontTx/>
+              <a:buNone/>
+              <a:tabLst/>
+              <a:defRPr/>
+            </a:pPr>
+            <a:r>
+              <a:rPr lang="fr-FR" sz="1400" kern="0" dirty="0" smtClean="0">
+                <a:solidFill>
+                  <a:prstClr val="black"/>
+                </a:solidFill>
+                <a:latin typeface="Calibri"/>
+              </a:rPr>
+              <a:t>Microcontrôleur</a:t>
+            </a:r>
+            <a:endParaRPr kumimoji="0" lang="fr-FR" sz="1400" b="0" i="0" u="none" strike="noStrike" kern="0" cap="none" spc="0" normalizeH="0" baseline="0" noProof="0" dirty="0" smtClean="0">
+              <a:ln>
+                <a:noFill/>
+              </a:ln>
+              <a:solidFill>
+                <a:prstClr val="black"/>
+              </a:solidFill>
+              <a:effectLst/>
+              <a:uLnTx/>
+              <a:uFillTx/>
+              <a:latin typeface="Calibri"/>
+              <a:ea typeface="+mn-ea"/>
+              <a:cs typeface="+mn-cs"/>
+            </a:endParaRPr>
+          </a:p>
+        </p:txBody>
+      </p:sp>
+      <p:sp>
+        <p:nvSpPr>
+          <p:cNvPr id="9" name="Rectangle 8"/>
+          <p:cNvSpPr/>
+          <p:nvPr/>
+        </p:nvSpPr>
+        <p:spPr>
+          <a:xfrm>
+            <a:off x="4804257" y="908720"/>
+            <a:ext cx="1620000" cy="709738"/>
+          </a:xfrm>
+          <a:prstGeom prst="rect">
+            <a:avLst/>
+          </a:prstGeom>
+          <a:gradFill rotWithShape="1">
+            <a:gsLst>
+              <a:gs pos="0">
+                <a:srgbClr val="4F81BD">
+                  <a:tint val="50000"/>
+                  <a:satMod val="300000"/>
+                </a:srgbClr>
+              </a:gs>
+              <a:gs pos="35000">
+                <a:srgbClr val="4F81BD">
+                  <a:tint val="37000"/>
+                  <a:satMod val="300000"/>
+                </a:srgbClr>
+              </a:gs>
+              <a:gs pos="100000">
+                <a:srgbClr val="4F81BD">
+                  <a:tint val="15000"/>
+                  <a:satMod val="350000"/>
+                </a:srgbClr>
+              </a:gs>
+            </a:gsLst>
+            <a:lin ang="16200000" scaled="1"/>
+          </a:gradFill>
+          <a:ln w="9525" cap="flat" cmpd="sng" algn="ctr">
+            <a:solidFill>
+              <a:srgbClr val="4F81BD">
+                <a:shade val="95000"/>
+                <a:satMod val="105000"/>
+              </a:srgbClr>
+            </a:solidFill>
+            <a:prstDash val="solid"/>
+          </a:ln>
+          <a:effectLst>
+            <a:outerShdw blurRad="40000" dist="20000" dir="5400000" rotWithShape="0">
+              <a:srgbClr val="000000">
+                <a:alpha val="38000"/>
+              </a:srgbClr>
+            </a:outerShdw>
+          </a:effectLst>
+        </p:spPr>
+        <p:txBody>
+          <a:bodyPr rtlCol="0" anchor="t"/>
+          <a:lstStyle/>
+          <a:p>
+            <a:pPr marL="0" marR="0" lvl="0" indent="0" algn="ctr" defTabSz="914400" eaLnBrk="1" fontAlgn="auto" latinLnBrk="0" hangingPunct="1">
+              <a:lnSpc>
+                <a:spcPct val="100000"/>
+              </a:lnSpc>
+              <a:spcBef>
+                <a:spcPts val="0"/>
+              </a:spcBef>
+              <a:spcAft>
+                <a:spcPts val="0"/>
+              </a:spcAft>
+              <a:buClrTx/>
+              <a:buSzTx/>
+              <a:buFontTx/>
+              <a:buNone/>
+              <a:tabLst/>
+              <a:defRPr/>
+            </a:pPr>
+            <a:r>
+              <a:rPr kumimoji="0" lang="fr-FR" sz="1400" b="0" i="0" u="none" strike="noStrike" kern="0" cap="none" spc="0" normalizeH="0" baseline="0" noProof="0" dirty="0" smtClean="0">
+                <a:ln>
+                  <a:noFill/>
+                </a:ln>
+                <a:solidFill>
+                  <a:prstClr val="black"/>
+                </a:solidFill>
+                <a:effectLst/>
+                <a:uLnTx/>
+                <a:uFillTx/>
+                <a:latin typeface="Calibri"/>
+                <a:ea typeface="+mn-ea"/>
+                <a:cs typeface="+mn-cs"/>
+              </a:rPr>
+              <a:t>COMMUNIQUER</a:t>
+            </a:r>
+          </a:p>
+          <a:p>
+            <a:pPr marL="0" marR="0" lvl="0" indent="0" algn="ctr" defTabSz="914400" eaLnBrk="1" fontAlgn="auto" latinLnBrk="0" hangingPunct="1">
+              <a:lnSpc>
+                <a:spcPct val="100000"/>
+              </a:lnSpc>
+              <a:spcBef>
+                <a:spcPts val="0"/>
+              </a:spcBef>
+              <a:spcAft>
+                <a:spcPts val="0"/>
+              </a:spcAft>
+              <a:buClrTx/>
+              <a:buSzTx/>
+              <a:buFontTx/>
+              <a:buNone/>
+              <a:tabLst/>
+              <a:defRPr/>
+            </a:pPr>
+            <a:r>
+              <a:rPr lang="fr-FR" sz="1400" kern="0" dirty="0" smtClean="0">
+                <a:solidFill>
+                  <a:prstClr val="black"/>
+                </a:solidFill>
+                <a:latin typeface="Calibri"/>
+              </a:rPr>
+              <a:t>BUS CAN</a:t>
+            </a:r>
+          </a:p>
+          <a:p>
+            <a:pPr marL="0" marR="0" lvl="0" indent="0" algn="ctr" defTabSz="914400" eaLnBrk="1" fontAlgn="auto" latinLnBrk="0" hangingPunct="1">
+              <a:lnSpc>
+                <a:spcPct val="100000"/>
+              </a:lnSpc>
+              <a:spcBef>
+                <a:spcPts val="0"/>
+              </a:spcBef>
+              <a:spcAft>
+                <a:spcPts val="0"/>
+              </a:spcAft>
+              <a:buClrTx/>
+              <a:buSzTx/>
+              <a:buFontTx/>
+              <a:buNone/>
+              <a:tabLst/>
+              <a:defRPr/>
+            </a:pPr>
+            <a:r>
+              <a:rPr lang="fr-FR" sz="1400" kern="0" dirty="0" smtClean="0">
+                <a:solidFill>
+                  <a:prstClr val="black"/>
+                </a:solidFill>
+                <a:latin typeface="Calibri"/>
+              </a:rPr>
+              <a:t>(Interface NMEA)</a:t>
+            </a:r>
+            <a:endParaRPr kumimoji="0" lang="fr-FR" sz="1400" b="0" i="0" u="none" strike="noStrike" kern="0" cap="none" spc="0" normalizeH="0" baseline="0" noProof="0" dirty="0" smtClean="0">
+              <a:ln>
+                <a:noFill/>
+              </a:ln>
+              <a:solidFill>
+                <a:prstClr val="black"/>
+              </a:solidFill>
+              <a:effectLst/>
+              <a:uLnTx/>
+              <a:uFillTx/>
+              <a:latin typeface="Calibri"/>
+              <a:ea typeface="+mn-ea"/>
+              <a:cs typeface="+mn-cs"/>
+            </a:endParaRPr>
+          </a:p>
+        </p:txBody>
+      </p:sp>
+      <p:sp>
+        <p:nvSpPr>
+          <p:cNvPr id="10" name="Rectangle 9"/>
+          <p:cNvSpPr/>
+          <p:nvPr/>
+        </p:nvSpPr>
+        <p:spPr>
+          <a:xfrm>
+            <a:off x="593482" y="3067151"/>
+            <a:ext cx="1620000" cy="687554"/>
+          </a:xfrm>
+          <a:prstGeom prst="rect">
+            <a:avLst/>
+          </a:prstGeom>
+          <a:gradFill rotWithShape="1">
+            <a:gsLst>
+              <a:gs pos="0">
+                <a:srgbClr val="C0504D">
+                  <a:tint val="50000"/>
+                  <a:satMod val="300000"/>
+                </a:srgbClr>
+              </a:gs>
+              <a:gs pos="35000">
+                <a:srgbClr val="C0504D">
+                  <a:tint val="37000"/>
+                  <a:satMod val="300000"/>
+                </a:srgbClr>
+              </a:gs>
+              <a:gs pos="100000">
+                <a:srgbClr val="C0504D">
+                  <a:tint val="15000"/>
+                  <a:satMod val="350000"/>
+                </a:srgbClr>
+              </a:gs>
+            </a:gsLst>
+            <a:lin ang="16200000" scaled="1"/>
+          </a:gradFill>
+          <a:ln w="9525" cap="flat" cmpd="sng" algn="ctr">
+            <a:solidFill>
+              <a:srgbClr val="C0504D">
+                <a:shade val="95000"/>
+                <a:satMod val="105000"/>
+              </a:srgbClr>
+            </a:solidFill>
+            <a:prstDash val="solid"/>
+          </a:ln>
+          <a:effectLst>
+            <a:outerShdw blurRad="40000" dist="20000" dir="5400000" rotWithShape="0">
+              <a:srgbClr val="000000">
+                <a:alpha val="38000"/>
+              </a:srgbClr>
+            </a:outerShdw>
+          </a:effectLst>
+        </p:spPr>
+        <p:txBody>
+          <a:bodyPr rtlCol="0" anchor="t"/>
+          <a:lstStyle/>
+          <a:p>
+            <a:pPr marL="0" marR="0" lvl="0" indent="0" algn="ctr" defTabSz="914400" eaLnBrk="1" fontAlgn="auto" latinLnBrk="0" hangingPunct="1">
+              <a:lnSpc>
+                <a:spcPct val="100000"/>
+              </a:lnSpc>
+              <a:spcBef>
+                <a:spcPts val="0"/>
+              </a:spcBef>
+              <a:spcAft>
+                <a:spcPts val="0"/>
+              </a:spcAft>
+              <a:buClrTx/>
+              <a:buSzTx/>
+              <a:buFontTx/>
+              <a:buNone/>
+              <a:tabLst/>
+              <a:defRPr/>
+            </a:pPr>
+            <a:r>
+              <a:rPr kumimoji="0" lang="fr-FR" sz="1400" b="0" i="0" u="none" strike="noStrike" kern="0" cap="none" spc="0" normalizeH="0" baseline="0" noProof="0" dirty="0" smtClean="0">
+                <a:ln>
+                  <a:noFill/>
+                </a:ln>
+                <a:solidFill>
+                  <a:prstClr val="black"/>
+                </a:solidFill>
+                <a:effectLst/>
+                <a:uLnTx/>
+                <a:uFillTx/>
+                <a:latin typeface="Calibri"/>
+                <a:ea typeface="+mn-ea"/>
+                <a:cs typeface="+mn-cs"/>
+              </a:rPr>
+              <a:t>ALIMENTER</a:t>
+            </a:r>
+          </a:p>
+          <a:p>
+            <a:pPr marL="0" marR="0" lvl="0" indent="0" algn="ctr" defTabSz="914400" eaLnBrk="1" fontAlgn="auto" latinLnBrk="0" hangingPunct="1">
+              <a:lnSpc>
+                <a:spcPct val="100000"/>
+              </a:lnSpc>
+              <a:spcBef>
+                <a:spcPts val="0"/>
+              </a:spcBef>
+              <a:spcAft>
+                <a:spcPts val="0"/>
+              </a:spcAft>
+              <a:buClrTx/>
+              <a:buSzTx/>
+              <a:buFontTx/>
+              <a:buNone/>
+              <a:tabLst/>
+              <a:defRPr/>
+            </a:pPr>
+            <a:r>
+              <a:rPr lang="fr-FR" sz="1400" kern="0" dirty="0" smtClean="0">
+                <a:solidFill>
+                  <a:prstClr val="black"/>
+                </a:solidFill>
+                <a:latin typeface="Calibri"/>
+              </a:rPr>
+              <a:t>Générateur de tension</a:t>
+            </a:r>
+            <a:endParaRPr kumimoji="0" lang="fr-FR" sz="1400" b="0" i="0" u="none" strike="noStrike" kern="0" cap="none" spc="0" normalizeH="0" baseline="0" noProof="0" dirty="0" smtClean="0">
+              <a:ln>
+                <a:noFill/>
+              </a:ln>
+              <a:solidFill>
+                <a:prstClr val="black"/>
+              </a:solidFill>
+              <a:effectLst/>
+              <a:uLnTx/>
+              <a:uFillTx/>
+              <a:latin typeface="Calibri"/>
+              <a:ea typeface="+mn-ea"/>
+              <a:cs typeface="+mn-cs"/>
+            </a:endParaRPr>
+          </a:p>
+        </p:txBody>
+      </p:sp>
+      <p:sp>
+        <p:nvSpPr>
+          <p:cNvPr id="11" name="Rectangle 10"/>
+          <p:cNvSpPr/>
+          <p:nvPr/>
+        </p:nvSpPr>
+        <p:spPr>
+          <a:xfrm>
+            <a:off x="2699792" y="3067151"/>
+            <a:ext cx="1620000" cy="687554"/>
+          </a:xfrm>
+          <a:prstGeom prst="rect">
+            <a:avLst/>
+          </a:prstGeom>
+          <a:gradFill rotWithShape="1">
+            <a:gsLst>
+              <a:gs pos="0">
+                <a:srgbClr val="C0504D">
+                  <a:tint val="50000"/>
+                  <a:satMod val="300000"/>
+                </a:srgbClr>
+              </a:gs>
+              <a:gs pos="35000">
+                <a:srgbClr val="C0504D">
+                  <a:tint val="37000"/>
+                  <a:satMod val="300000"/>
+                </a:srgbClr>
+              </a:gs>
+              <a:gs pos="100000">
+                <a:srgbClr val="C0504D">
+                  <a:tint val="15000"/>
+                  <a:satMod val="350000"/>
+                </a:srgbClr>
+              </a:gs>
+            </a:gsLst>
+            <a:lin ang="16200000" scaled="1"/>
+          </a:gradFill>
+          <a:ln w="9525" cap="flat" cmpd="sng" algn="ctr">
+            <a:solidFill>
+              <a:srgbClr val="C0504D">
+                <a:shade val="95000"/>
+                <a:satMod val="105000"/>
+              </a:srgbClr>
+            </a:solidFill>
+            <a:prstDash val="solid"/>
+          </a:ln>
+          <a:effectLst>
+            <a:outerShdw blurRad="40000" dist="20000" dir="5400000" rotWithShape="0">
+              <a:srgbClr val="000000">
+                <a:alpha val="38000"/>
+              </a:srgbClr>
+            </a:outerShdw>
+          </a:effectLst>
+        </p:spPr>
+        <p:txBody>
+          <a:bodyPr rtlCol="0" anchor="t"/>
+          <a:lstStyle/>
+          <a:p>
+            <a:pPr marL="0" marR="0" lvl="0" indent="0" algn="ctr" defTabSz="914400" eaLnBrk="1" fontAlgn="auto" latinLnBrk="0" hangingPunct="1">
+              <a:lnSpc>
+                <a:spcPct val="100000"/>
+              </a:lnSpc>
+              <a:spcBef>
+                <a:spcPts val="0"/>
+              </a:spcBef>
+              <a:spcAft>
+                <a:spcPts val="0"/>
+              </a:spcAft>
+              <a:buClrTx/>
+              <a:buSzTx/>
+              <a:buFontTx/>
+              <a:buNone/>
+              <a:tabLst/>
+              <a:defRPr/>
+            </a:pPr>
+            <a:r>
+              <a:rPr kumimoji="0" lang="fr-FR" sz="1400" b="0" i="0" u="none" strike="noStrike" kern="0" cap="none" spc="0" normalizeH="0" baseline="0" noProof="0" dirty="0" smtClean="0">
+                <a:ln>
+                  <a:noFill/>
+                </a:ln>
+                <a:solidFill>
+                  <a:prstClr val="black"/>
+                </a:solidFill>
+                <a:effectLst/>
+                <a:uLnTx/>
+                <a:uFillTx/>
+                <a:latin typeface="Calibri"/>
+                <a:ea typeface="+mn-ea"/>
+                <a:cs typeface="+mn-cs"/>
+              </a:rPr>
+              <a:t>DISTRIBUER</a:t>
+            </a:r>
+          </a:p>
+          <a:p>
+            <a:pPr marL="0" marR="0" lvl="0" indent="0" algn="ctr" defTabSz="914400" eaLnBrk="1" fontAlgn="auto" latinLnBrk="0" hangingPunct="1">
+              <a:lnSpc>
+                <a:spcPct val="100000"/>
+              </a:lnSpc>
+              <a:spcBef>
+                <a:spcPts val="0"/>
+              </a:spcBef>
+              <a:spcAft>
+                <a:spcPts val="0"/>
+              </a:spcAft>
+              <a:buClrTx/>
+              <a:buSzTx/>
+              <a:buFontTx/>
+              <a:buNone/>
+              <a:tabLst/>
+              <a:defRPr/>
+            </a:pPr>
+            <a:r>
+              <a:rPr lang="fr-FR" sz="1400" kern="0" dirty="0" smtClean="0">
+                <a:solidFill>
+                  <a:prstClr val="black"/>
+                </a:solidFill>
+                <a:latin typeface="Calibri"/>
+              </a:rPr>
+              <a:t>Pont en H</a:t>
+            </a:r>
+            <a:endParaRPr kumimoji="0" lang="fr-FR" sz="1400" b="0" i="0" u="none" strike="noStrike" kern="0" cap="none" spc="0" normalizeH="0" baseline="0" noProof="0" dirty="0" smtClean="0">
+              <a:ln>
+                <a:noFill/>
+              </a:ln>
+              <a:solidFill>
+                <a:prstClr val="black"/>
+              </a:solidFill>
+              <a:effectLst/>
+              <a:uLnTx/>
+              <a:uFillTx/>
+              <a:latin typeface="Calibri"/>
+              <a:ea typeface="+mn-ea"/>
+              <a:cs typeface="+mn-cs"/>
+            </a:endParaRPr>
+          </a:p>
+        </p:txBody>
+      </p:sp>
+      <p:sp>
+        <p:nvSpPr>
+          <p:cNvPr id="12" name="Rectangle 11"/>
+          <p:cNvSpPr/>
+          <p:nvPr/>
+        </p:nvSpPr>
+        <p:spPr>
+          <a:xfrm>
+            <a:off x="4804257" y="3067151"/>
+            <a:ext cx="1620000" cy="687554"/>
+          </a:xfrm>
+          <a:prstGeom prst="rect">
+            <a:avLst/>
+          </a:prstGeom>
+          <a:gradFill rotWithShape="1">
+            <a:gsLst>
+              <a:gs pos="0">
+                <a:srgbClr val="C0504D">
+                  <a:tint val="50000"/>
+                  <a:satMod val="300000"/>
+                </a:srgbClr>
+              </a:gs>
+              <a:gs pos="35000">
+                <a:srgbClr val="C0504D">
+                  <a:tint val="37000"/>
+                  <a:satMod val="300000"/>
+                </a:srgbClr>
+              </a:gs>
+              <a:gs pos="100000">
+                <a:srgbClr val="C0504D">
+                  <a:tint val="15000"/>
+                  <a:satMod val="350000"/>
+                </a:srgbClr>
+              </a:gs>
+            </a:gsLst>
+            <a:lin ang="16200000" scaled="1"/>
+          </a:gradFill>
+          <a:ln w="9525" cap="flat" cmpd="sng" algn="ctr">
+            <a:solidFill>
+              <a:srgbClr val="C0504D">
+                <a:shade val="95000"/>
+                <a:satMod val="105000"/>
+              </a:srgbClr>
+            </a:solidFill>
+            <a:prstDash val="solid"/>
+          </a:ln>
+          <a:effectLst>
+            <a:outerShdw blurRad="40000" dist="20000" dir="5400000" rotWithShape="0">
+              <a:srgbClr val="000000">
+                <a:alpha val="38000"/>
+              </a:srgbClr>
+            </a:outerShdw>
+          </a:effectLst>
+        </p:spPr>
+        <p:txBody>
+          <a:bodyPr rtlCol="0" anchor="t"/>
+          <a:lstStyle/>
+          <a:p>
+            <a:pPr marL="0" marR="0" lvl="0" indent="0" algn="ctr" defTabSz="914400" eaLnBrk="1" fontAlgn="auto" latinLnBrk="0" hangingPunct="1">
+              <a:lnSpc>
+                <a:spcPct val="100000"/>
+              </a:lnSpc>
+              <a:spcBef>
+                <a:spcPts val="0"/>
+              </a:spcBef>
+              <a:spcAft>
+                <a:spcPts val="0"/>
+              </a:spcAft>
+              <a:buClrTx/>
+              <a:buSzTx/>
+              <a:buFontTx/>
+              <a:buNone/>
+              <a:tabLst/>
+              <a:defRPr/>
+            </a:pPr>
+            <a:r>
+              <a:rPr kumimoji="0" lang="fr-FR" sz="1400" b="0" i="0" u="none" strike="noStrike" kern="0" cap="none" spc="0" normalizeH="0" baseline="0" noProof="0" dirty="0" smtClean="0">
+                <a:ln>
+                  <a:noFill/>
+                </a:ln>
+                <a:solidFill>
+                  <a:prstClr val="black"/>
+                </a:solidFill>
+                <a:effectLst/>
+                <a:uLnTx/>
+                <a:uFillTx/>
+                <a:latin typeface="Calibri"/>
+                <a:ea typeface="+mn-ea"/>
+                <a:cs typeface="+mn-cs"/>
+              </a:rPr>
+              <a:t>CONVERTIR</a:t>
+            </a:r>
+          </a:p>
+          <a:p>
+            <a:pPr marL="0" marR="0" lvl="0" indent="0" algn="ctr" defTabSz="914400" eaLnBrk="1" fontAlgn="auto" latinLnBrk="0" hangingPunct="1">
+              <a:lnSpc>
+                <a:spcPct val="100000"/>
+              </a:lnSpc>
+              <a:spcBef>
+                <a:spcPts val="0"/>
+              </a:spcBef>
+              <a:spcAft>
+                <a:spcPts val="0"/>
+              </a:spcAft>
+              <a:buClrTx/>
+              <a:buSzTx/>
+              <a:buFontTx/>
+              <a:buNone/>
+              <a:tabLst/>
+              <a:defRPr/>
+            </a:pPr>
+            <a:r>
+              <a:rPr lang="fr-FR" sz="1400" kern="0" dirty="0" smtClean="0">
+                <a:solidFill>
+                  <a:prstClr val="black"/>
+                </a:solidFill>
+                <a:latin typeface="Calibri"/>
+              </a:rPr>
+              <a:t>Moteur à courant continu</a:t>
+            </a:r>
+            <a:endParaRPr kumimoji="0" lang="fr-FR" sz="1400" b="0" i="0" u="none" strike="noStrike" kern="0" cap="none" spc="0" normalizeH="0" baseline="0" noProof="0" dirty="0" smtClean="0">
+              <a:ln>
+                <a:noFill/>
+              </a:ln>
+              <a:solidFill>
+                <a:prstClr val="black"/>
+              </a:solidFill>
+              <a:effectLst/>
+              <a:uLnTx/>
+              <a:uFillTx/>
+              <a:latin typeface="Calibri"/>
+              <a:ea typeface="+mn-ea"/>
+              <a:cs typeface="+mn-cs"/>
+            </a:endParaRPr>
+          </a:p>
+        </p:txBody>
+      </p:sp>
+      <p:sp>
+        <p:nvSpPr>
+          <p:cNvPr id="13" name="Rectangle 12"/>
+          <p:cNvSpPr/>
+          <p:nvPr/>
+        </p:nvSpPr>
+        <p:spPr>
+          <a:xfrm>
+            <a:off x="6863442" y="3067151"/>
+            <a:ext cx="1620000" cy="687554"/>
+          </a:xfrm>
+          <a:prstGeom prst="rect">
+            <a:avLst/>
+          </a:prstGeom>
+          <a:gradFill rotWithShape="1">
+            <a:gsLst>
+              <a:gs pos="0">
+                <a:srgbClr val="C0504D">
+                  <a:tint val="50000"/>
+                  <a:satMod val="300000"/>
+                </a:srgbClr>
+              </a:gs>
+              <a:gs pos="35000">
+                <a:srgbClr val="C0504D">
+                  <a:tint val="37000"/>
+                  <a:satMod val="300000"/>
+                </a:srgbClr>
+              </a:gs>
+              <a:gs pos="100000">
+                <a:srgbClr val="C0504D">
+                  <a:tint val="15000"/>
+                  <a:satMod val="350000"/>
+                </a:srgbClr>
+              </a:gs>
+            </a:gsLst>
+            <a:lin ang="16200000" scaled="1"/>
+          </a:gradFill>
+          <a:ln w="9525" cap="flat" cmpd="sng" algn="ctr">
+            <a:solidFill>
+              <a:srgbClr val="C0504D">
+                <a:shade val="95000"/>
+                <a:satMod val="105000"/>
+              </a:srgbClr>
+            </a:solidFill>
+            <a:prstDash val="solid"/>
+          </a:ln>
+          <a:effectLst>
+            <a:outerShdw blurRad="40000" dist="20000" dir="5400000" rotWithShape="0">
+              <a:srgbClr val="000000">
+                <a:alpha val="38000"/>
+              </a:srgbClr>
+            </a:outerShdw>
+          </a:effectLst>
+        </p:spPr>
+        <p:txBody>
+          <a:bodyPr rtlCol="0" anchor="t"/>
+          <a:lstStyle/>
+          <a:p>
+            <a:pPr marL="0" marR="0" lvl="0" indent="0" algn="ctr" defTabSz="914400" eaLnBrk="1" fontAlgn="auto" latinLnBrk="0" hangingPunct="1">
+              <a:lnSpc>
+                <a:spcPct val="100000"/>
+              </a:lnSpc>
+              <a:spcBef>
+                <a:spcPts val="0"/>
+              </a:spcBef>
+              <a:spcAft>
+                <a:spcPts val="0"/>
+              </a:spcAft>
+              <a:buClrTx/>
+              <a:buSzTx/>
+              <a:buFontTx/>
+              <a:buNone/>
+              <a:tabLst/>
+              <a:defRPr/>
+            </a:pPr>
+            <a:r>
+              <a:rPr kumimoji="0" lang="fr-FR" sz="1400" b="0" i="0" u="none" strike="noStrike" kern="0" cap="none" spc="0" normalizeH="0" baseline="0" noProof="0" dirty="0" smtClean="0">
+                <a:ln>
+                  <a:noFill/>
+                </a:ln>
+                <a:solidFill>
+                  <a:prstClr val="black"/>
+                </a:solidFill>
+                <a:effectLst/>
+                <a:uLnTx/>
+                <a:uFillTx/>
+                <a:latin typeface="Calibri"/>
+                <a:ea typeface="+mn-ea"/>
+                <a:cs typeface="+mn-cs"/>
+              </a:rPr>
+              <a:t>TRANSMETTRE</a:t>
+            </a:r>
+          </a:p>
+          <a:p>
+            <a:pPr marL="0" marR="0" lvl="0" indent="0" algn="ctr" defTabSz="914400" eaLnBrk="1" fontAlgn="auto" latinLnBrk="0" hangingPunct="1">
+              <a:lnSpc>
+                <a:spcPct val="100000"/>
+              </a:lnSpc>
+              <a:spcBef>
+                <a:spcPts val="0"/>
+              </a:spcBef>
+              <a:spcAft>
+                <a:spcPts val="0"/>
+              </a:spcAft>
+              <a:buClrTx/>
+              <a:buSzTx/>
+              <a:buFontTx/>
+              <a:buNone/>
+              <a:tabLst/>
+              <a:defRPr/>
+            </a:pPr>
+            <a:r>
+              <a:rPr lang="fr-FR" sz="1400" kern="0" dirty="0" smtClean="0">
+                <a:solidFill>
+                  <a:prstClr val="black"/>
+                </a:solidFill>
+                <a:latin typeface="Calibri"/>
+              </a:rPr>
+              <a:t>Poulie – Courroie</a:t>
+            </a:r>
+          </a:p>
+          <a:p>
+            <a:pPr marL="0" marR="0" lvl="0" indent="0" algn="ctr" defTabSz="914400" eaLnBrk="1" fontAlgn="auto" latinLnBrk="0" hangingPunct="1">
+              <a:lnSpc>
+                <a:spcPct val="100000"/>
+              </a:lnSpc>
+              <a:spcBef>
+                <a:spcPts val="0"/>
+              </a:spcBef>
+              <a:spcAft>
+                <a:spcPts val="0"/>
+              </a:spcAft>
+              <a:buClrTx/>
+              <a:buSzTx/>
+              <a:buFontTx/>
+              <a:buNone/>
+              <a:tabLst/>
+              <a:defRPr/>
+            </a:pPr>
+            <a:r>
+              <a:rPr lang="fr-FR" sz="1400" kern="0" dirty="0" smtClean="0">
+                <a:solidFill>
+                  <a:prstClr val="black"/>
+                </a:solidFill>
+                <a:latin typeface="Calibri"/>
+              </a:rPr>
+              <a:t>Système vis - écrou</a:t>
+            </a:r>
+          </a:p>
+        </p:txBody>
+      </p:sp>
+      <p:sp>
+        <p:nvSpPr>
+          <p:cNvPr id="14" name="Rectangle 13"/>
+          <p:cNvSpPr/>
+          <p:nvPr/>
+        </p:nvSpPr>
+        <p:spPr>
+          <a:xfrm>
+            <a:off x="8892480" y="1885771"/>
+            <a:ext cx="1620000" cy="3055397"/>
+          </a:xfrm>
+          <a:prstGeom prst="rect">
+            <a:avLst/>
+          </a:prstGeom>
+          <a:gradFill rotWithShape="1">
+            <a:gsLst>
+              <a:gs pos="0">
+                <a:srgbClr val="F79646">
+                  <a:tint val="50000"/>
+                  <a:satMod val="300000"/>
+                </a:srgbClr>
+              </a:gs>
+              <a:gs pos="35000">
+                <a:srgbClr val="F79646">
+                  <a:tint val="37000"/>
+                  <a:satMod val="300000"/>
+                </a:srgbClr>
+              </a:gs>
+              <a:gs pos="100000">
+                <a:srgbClr val="F79646">
+                  <a:tint val="15000"/>
+                  <a:satMod val="350000"/>
+                </a:srgbClr>
+              </a:gs>
+            </a:gsLst>
+            <a:lin ang="16200000" scaled="1"/>
+          </a:gradFill>
+          <a:ln w="9525" cap="flat" cmpd="sng" algn="ctr">
+            <a:solidFill>
+              <a:srgbClr val="F79646">
+                <a:shade val="95000"/>
+                <a:satMod val="105000"/>
+              </a:srgbClr>
+            </a:solidFill>
+            <a:prstDash val="solid"/>
+          </a:ln>
+          <a:effectLst>
+            <a:outerShdw blurRad="40000" dist="20000" dir="5400000" rotWithShape="0">
+              <a:srgbClr val="000000">
+                <a:alpha val="38000"/>
+              </a:srgbClr>
+            </a:outerShdw>
+          </a:effectLst>
+        </p:spPr>
+        <p:txBody>
+          <a:bodyPr rtlCol="0" anchor="ctr"/>
+          <a:lstStyle/>
+          <a:p>
+            <a:pPr marL="0" marR="0" lvl="0" indent="0" algn="ctr" defTabSz="914400" eaLnBrk="1" fontAlgn="auto" latinLnBrk="0" hangingPunct="1">
+              <a:lnSpc>
+                <a:spcPct val="100000"/>
+              </a:lnSpc>
+              <a:spcBef>
+                <a:spcPts val="0"/>
+              </a:spcBef>
+              <a:spcAft>
+                <a:spcPts val="0"/>
+              </a:spcAft>
+              <a:buClrTx/>
+              <a:buSzTx/>
+              <a:buFontTx/>
+              <a:buNone/>
+              <a:tabLst/>
+              <a:defRPr/>
+            </a:pPr>
+            <a:r>
+              <a:rPr kumimoji="0" lang="fr-FR" sz="1400" b="0" i="0" u="none" strike="noStrike" kern="0" cap="none" spc="0" normalizeH="0" baseline="0" noProof="0" dirty="0" smtClean="0">
+                <a:ln>
+                  <a:noFill/>
+                </a:ln>
+                <a:solidFill>
+                  <a:prstClr val="black"/>
+                </a:solidFill>
+                <a:effectLst/>
+                <a:uLnTx/>
+                <a:uFillTx/>
+                <a:latin typeface="Calibri"/>
+                <a:ea typeface="+mn-ea"/>
+                <a:cs typeface="+mn-cs"/>
+              </a:rPr>
+              <a:t>ACTION</a:t>
+            </a:r>
+          </a:p>
+        </p:txBody>
+      </p:sp>
+      <p:cxnSp>
+        <p:nvCxnSpPr>
+          <p:cNvPr id="15" name="Connecteur droit avec flèche 14"/>
+          <p:cNvCxnSpPr/>
+          <p:nvPr/>
+        </p:nvCxnSpPr>
+        <p:spPr>
+          <a:xfrm>
+            <a:off x="107172" y="1476099"/>
+            <a:ext cx="486310" cy="8685"/>
+          </a:xfrm>
+          <a:prstGeom prst="straightConnector1">
+            <a:avLst/>
+          </a:prstGeom>
+          <a:noFill/>
+          <a:ln w="28575" cap="flat" cmpd="sng" algn="ctr">
+            <a:solidFill>
+              <a:srgbClr val="4F81BD">
+                <a:shade val="95000"/>
+                <a:satMod val="105000"/>
+              </a:srgbClr>
+            </a:solidFill>
+            <a:prstDash val="solid"/>
+            <a:tailEnd type="arrow"/>
+          </a:ln>
+          <a:effectLst/>
+        </p:spPr>
+      </p:cxnSp>
+      <p:cxnSp>
+        <p:nvCxnSpPr>
+          <p:cNvPr id="16" name="Connecteur droit avec flèche 15"/>
+          <p:cNvCxnSpPr>
+            <a:stCxn id="7" idx="3"/>
+            <a:endCxn id="8" idx="1"/>
+          </p:cNvCxnSpPr>
+          <p:nvPr/>
+        </p:nvCxnSpPr>
+        <p:spPr>
+          <a:xfrm>
+            <a:off x="2213482" y="1255771"/>
+            <a:ext cx="486310" cy="0"/>
+          </a:xfrm>
+          <a:prstGeom prst="straightConnector1">
+            <a:avLst/>
+          </a:prstGeom>
+          <a:noFill/>
+          <a:ln w="28575" cap="flat" cmpd="sng" algn="ctr">
+            <a:solidFill>
+              <a:srgbClr val="4F81BD">
+                <a:shade val="95000"/>
+                <a:satMod val="105000"/>
+              </a:srgbClr>
+            </a:solidFill>
+            <a:prstDash val="solid"/>
+            <a:tailEnd type="arrow"/>
+          </a:ln>
+          <a:effectLst/>
+        </p:spPr>
+      </p:cxnSp>
+      <p:cxnSp>
+        <p:nvCxnSpPr>
+          <p:cNvPr id="17" name="Connecteur droit avec flèche 16"/>
+          <p:cNvCxnSpPr>
+            <a:stCxn id="8" idx="3"/>
+            <a:endCxn id="9" idx="1"/>
+          </p:cNvCxnSpPr>
+          <p:nvPr/>
+        </p:nvCxnSpPr>
+        <p:spPr>
+          <a:xfrm>
+            <a:off x="4319792" y="1255771"/>
+            <a:ext cx="484465" cy="7818"/>
+          </a:xfrm>
+          <a:prstGeom prst="straightConnector1">
+            <a:avLst/>
+          </a:prstGeom>
+          <a:noFill/>
+          <a:ln w="28575" cap="flat" cmpd="sng" algn="ctr">
+            <a:solidFill>
+              <a:srgbClr val="4F81BD">
+                <a:shade val="95000"/>
+                <a:satMod val="105000"/>
+              </a:srgbClr>
+            </a:solidFill>
+            <a:prstDash val="solid"/>
+            <a:tailEnd type="arrow"/>
+          </a:ln>
+          <a:effectLst/>
+        </p:spPr>
+      </p:cxnSp>
+      <p:cxnSp>
+        <p:nvCxnSpPr>
+          <p:cNvPr id="18" name="Connecteur droit avec flèche 17"/>
+          <p:cNvCxnSpPr>
+            <a:stCxn id="9" idx="3"/>
+          </p:cNvCxnSpPr>
+          <p:nvPr/>
+        </p:nvCxnSpPr>
+        <p:spPr>
+          <a:xfrm>
+            <a:off x="6424257" y="1263589"/>
+            <a:ext cx="1249185" cy="0"/>
+          </a:xfrm>
+          <a:prstGeom prst="straightConnector1">
+            <a:avLst/>
+          </a:prstGeom>
+          <a:noFill/>
+          <a:ln w="28575" cap="flat" cmpd="sng" algn="ctr">
+            <a:solidFill>
+              <a:srgbClr val="4F81BD">
+                <a:shade val="95000"/>
+                <a:satMod val="105000"/>
+              </a:srgbClr>
+            </a:solidFill>
+            <a:prstDash val="solid"/>
+            <a:tailEnd type="arrow"/>
+          </a:ln>
+          <a:effectLst/>
+        </p:spPr>
+      </p:cxnSp>
+      <p:cxnSp>
+        <p:nvCxnSpPr>
+          <p:cNvPr id="19" name="Connecteur droit 18"/>
+          <p:cNvCxnSpPr/>
+          <p:nvPr/>
+        </p:nvCxnSpPr>
+        <p:spPr>
+          <a:xfrm>
+            <a:off x="6424257" y="1628800"/>
+            <a:ext cx="312296" cy="0"/>
+          </a:xfrm>
+          <a:prstGeom prst="line">
+            <a:avLst/>
+          </a:prstGeom>
+          <a:noFill/>
+          <a:ln w="28575" cap="flat" cmpd="sng" algn="ctr">
+            <a:solidFill>
+              <a:srgbClr val="C0504D">
+                <a:shade val="95000"/>
+                <a:satMod val="105000"/>
+              </a:srgbClr>
+            </a:solidFill>
+            <a:prstDash val="solid"/>
+          </a:ln>
+          <a:effectLst/>
+        </p:spPr>
+      </p:cxnSp>
+      <p:cxnSp>
+        <p:nvCxnSpPr>
+          <p:cNvPr id="20" name="Connecteur droit 19"/>
+          <p:cNvCxnSpPr/>
+          <p:nvPr/>
+        </p:nvCxnSpPr>
+        <p:spPr>
+          <a:xfrm>
+            <a:off x="2456637" y="2350241"/>
+            <a:ext cx="4279916" cy="0"/>
+          </a:xfrm>
+          <a:prstGeom prst="line">
+            <a:avLst/>
+          </a:prstGeom>
+          <a:noFill/>
+          <a:ln w="28575" cap="flat" cmpd="sng" algn="ctr">
+            <a:solidFill>
+              <a:srgbClr val="C0504D">
+                <a:shade val="95000"/>
+                <a:satMod val="105000"/>
+              </a:srgbClr>
+            </a:solidFill>
+            <a:prstDash val="solid"/>
+          </a:ln>
+          <a:effectLst/>
+        </p:spPr>
+      </p:cxnSp>
+      <p:cxnSp>
+        <p:nvCxnSpPr>
+          <p:cNvPr id="21" name="Connecteur droit 20"/>
+          <p:cNvCxnSpPr/>
+          <p:nvPr/>
+        </p:nvCxnSpPr>
+        <p:spPr>
+          <a:xfrm flipV="1">
+            <a:off x="6736553" y="1628801"/>
+            <a:ext cx="0" cy="721440"/>
+          </a:xfrm>
+          <a:prstGeom prst="line">
+            <a:avLst/>
+          </a:prstGeom>
+          <a:noFill/>
+          <a:ln w="28575" cap="flat" cmpd="sng" algn="ctr">
+            <a:solidFill>
+              <a:srgbClr val="C0504D">
+                <a:shade val="95000"/>
+                <a:satMod val="105000"/>
+              </a:srgbClr>
+            </a:solidFill>
+            <a:prstDash val="solid"/>
+          </a:ln>
+          <a:effectLst/>
+        </p:spPr>
+      </p:cxnSp>
+      <p:cxnSp>
+        <p:nvCxnSpPr>
+          <p:cNvPr id="22" name="Connecteur droit 21"/>
+          <p:cNvCxnSpPr/>
+          <p:nvPr/>
+        </p:nvCxnSpPr>
+        <p:spPr>
+          <a:xfrm flipV="1">
+            <a:off x="2456637" y="2345711"/>
+            <a:ext cx="0" cy="867265"/>
+          </a:xfrm>
+          <a:prstGeom prst="line">
+            <a:avLst/>
+          </a:prstGeom>
+          <a:noFill/>
+          <a:ln w="28575" cap="flat" cmpd="sng" algn="ctr">
+            <a:solidFill>
+              <a:srgbClr val="C0504D">
+                <a:shade val="95000"/>
+                <a:satMod val="105000"/>
+              </a:srgbClr>
+            </a:solidFill>
+            <a:prstDash val="solid"/>
+          </a:ln>
+          <a:effectLst/>
+        </p:spPr>
+      </p:cxnSp>
+      <p:cxnSp>
+        <p:nvCxnSpPr>
+          <p:cNvPr id="23" name="Connecteur droit 22"/>
+          <p:cNvCxnSpPr/>
+          <p:nvPr/>
+        </p:nvCxnSpPr>
+        <p:spPr>
+          <a:xfrm>
+            <a:off x="2456637" y="3212976"/>
+            <a:ext cx="243155" cy="0"/>
+          </a:xfrm>
+          <a:prstGeom prst="line">
+            <a:avLst/>
+          </a:prstGeom>
+          <a:noFill/>
+          <a:ln w="28575" cap="flat" cmpd="sng" algn="ctr">
+            <a:solidFill>
+              <a:srgbClr val="C0504D">
+                <a:shade val="95000"/>
+                <a:satMod val="105000"/>
+              </a:srgbClr>
+            </a:solidFill>
+            <a:prstDash val="solid"/>
+            <a:headEnd type="none" w="med" len="med"/>
+            <a:tailEnd type="arrow" w="med" len="med"/>
+          </a:ln>
+          <a:effectLst/>
+        </p:spPr>
+      </p:cxnSp>
+      <p:cxnSp>
+        <p:nvCxnSpPr>
+          <p:cNvPr id="24" name="Connecteur droit 23"/>
+          <p:cNvCxnSpPr>
+            <a:stCxn id="10" idx="3"/>
+            <a:endCxn id="11" idx="1"/>
+          </p:cNvCxnSpPr>
+          <p:nvPr/>
+        </p:nvCxnSpPr>
+        <p:spPr>
+          <a:xfrm>
+            <a:off x="2213482" y="3410928"/>
+            <a:ext cx="486310" cy="0"/>
+          </a:xfrm>
+          <a:prstGeom prst="line">
+            <a:avLst/>
+          </a:prstGeom>
+          <a:noFill/>
+          <a:ln w="28575" cap="flat" cmpd="sng" algn="ctr">
+            <a:solidFill>
+              <a:srgbClr val="C0504D">
+                <a:shade val="95000"/>
+                <a:satMod val="105000"/>
+              </a:srgbClr>
+            </a:solidFill>
+            <a:prstDash val="solid"/>
+            <a:headEnd type="none" w="med" len="med"/>
+            <a:tailEnd type="arrow" w="med" len="med"/>
+          </a:ln>
+          <a:effectLst/>
+        </p:spPr>
+      </p:cxnSp>
+      <p:cxnSp>
+        <p:nvCxnSpPr>
+          <p:cNvPr id="25" name="Connecteur droit 24"/>
+          <p:cNvCxnSpPr>
+            <a:stCxn id="11" idx="3"/>
+            <a:endCxn id="12" idx="1"/>
+          </p:cNvCxnSpPr>
+          <p:nvPr/>
+        </p:nvCxnSpPr>
+        <p:spPr>
+          <a:xfrm>
+            <a:off x="4319792" y="3410928"/>
+            <a:ext cx="484465" cy="0"/>
+          </a:xfrm>
+          <a:prstGeom prst="line">
+            <a:avLst/>
+          </a:prstGeom>
+          <a:noFill/>
+          <a:ln w="28575" cap="flat" cmpd="sng" algn="ctr">
+            <a:solidFill>
+              <a:srgbClr val="C0504D">
+                <a:shade val="95000"/>
+                <a:satMod val="105000"/>
+              </a:srgbClr>
+            </a:solidFill>
+            <a:prstDash val="solid"/>
+            <a:headEnd type="none" w="med" len="med"/>
+            <a:tailEnd type="arrow" w="med" len="med"/>
+          </a:ln>
+          <a:effectLst/>
+        </p:spPr>
+      </p:cxnSp>
+      <p:cxnSp>
+        <p:nvCxnSpPr>
+          <p:cNvPr id="26" name="Connecteur droit 25"/>
+          <p:cNvCxnSpPr>
+            <a:stCxn id="12" idx="3"/>
+            <a:endCxn id="13" idx="1"/>
+          </p:cNvCxnSpPr>
+          <p:nvPr/>
+        </p:nvCxnSpPr>
+        <p:spPr>
+          <a:xfrm>
+            <a:off x="6424257" y="3410928"/>
+            <a:ext cx="439185" cy="0"/>
+          </a:xfrm>
+          <a:prstGeom prst="line">
+            <a:avLst/>
+          </a:prstGeom>
+          <a:noFill/>
+          <a:ln w="28575" cap="flat" cmpd="sng" algn="ctr">
+            <a:solidFill>
+              <a:srgbClr val="C0504D">
+                <a:shade val="95000"/>
+                <a:satMod val="105000"/>
+              </a:srgbClr>
+            </a:solidFill>
+            <a:prstDash val="solid"/>
+            <a:headEnd type="none" w="med" len="med"/>
+            <a:tailEnd type="arrow" w="med" len="med"/>
+          </a:ln>
+          <a:effectLst/>
+        </p:spPr>
+      </p:cxnSp>
+      <p:cxnSp>
+        <p:nvCxnSpPr>
+          <p:cNvPr id="27" name="Connecteur droit 26"/>
+          <p:cNvCxnSpPr>
+            <a:stCxn id="13" idx="3"/>
+            <a:endCxn id="14" idx="1"/>
+          </p:cNvCxnSpPr>
+          <p:nvPr/>
+        </p:nvCxnSpPr>
+        <p:spPr>
+          <a:xfrm>
+            <a:off x="8483442" y="3410928"/>
+            <a:ext cx="409038" cy="2542"/>
+          </a:xfrm>
+          <a:prstGeom prst="line">
+            <a:avLst/>
+          </a:prstGeom>
+          <a:noFill/>
+          <a:ln w="28575" cap="flat" cmpd="sng" algn="ctr">
+            <a:solidFill>
+              <a:srgbClr val="C0504D">
+                <a:shade val="95000"/>
+                <a:satMod val="105000"/>
+              </a:srgbClr>
+            </a:solidFill>
+            <a:prstDash val="solid"/>
+            <a:headEnd type="none" w="med" len="med"/>
+            <a:tailEnd type="arrow" w="med" len="med"/>
+          </a:ln>
+          <a:effectLst/>
+        </p:spPr>
+      </p:cxnSp>
+      <p:cxnSp>
+        <p:nvCxnSpPr>
+          <p:cNvPr id="28" name="Connecteur droit 27"/>
+          <p:cNvCxnSpPr/>
+          <p:nvPr/>
+        </p:nvCxnSpPr>
+        <p:spPr>
+          <a:xfrm>
+            <a:off x="107172" y="3410928"/>
+            <a:ext cx="486310" cy="0"/>
+          </a:xfrm>
+          <a:prstGeom prst="line">
+            <a:avLst/>
+          </a:prstGeom>
+          <a:noFill/>
+          <a:ln w="28575" cap="flat" cmpd="sng" algn="ctr">
+            <a:solidFill>
+              <a:srgbClr val="C0504D">
+                <a:shade val="95000"/>
+                <a:satMod val="105000"/>
+              </a:srgbClr>
+            </a:solidFill>
+            <a:prstDash val="solid"/>
+            <a:headEnd type="none" w="med" len="med"/>
+            <a:tailEnd type="arrow" w="med" len="med"/>
+          </a:ln>
+          <a:effectLst/>
+        </p:spPr>
+      </p:cxnSp>
+      <p:cxnSp>
+        <p:nvCxnSpPr>
+          <p:cNvPr id="29" name="Connecteur droit 28"/>
+          <p:cNvCxnSpPr/>
+          <p:nvPr/>
+        </p:nvCxnSpPr>
+        <p:spPr>
+          <a:xfrm flipV="1">
+            <a:off x="8302419" y="-1"/>
+            <a:ext cx="0" cy="2779343"/>
+          </a:xfrm>
+          <a:prstGeom prst="line">
+            <a:avLst/>
+          </a:prstGeom>
+          <a:noFill/>
+          <a:ln w="28575" cap="flat" cmpd="sng" algn="ctr">
+            <a:solidFill>
+              <a:srgbClr val="92D050"/>
+            </a:solidFill>
+            <a:prstDash val="solid"/>
+          </a:ln>
+          <a:effectLst/>
+        </p:spPr>
+      </p:cxnSp>
+      <p:cxnSp>
+        <p:nvCxnSpPr>
+          <p:cNvPr id="30" name="Connecteur droit 29"/>
+          <p:cNvCxnSpPr/>
+          <p:nvPr/>
+        </p:nvCxnSpPr>
+        <p:spPr>
+          <a:xfrm flipH="1">
+            <a:off x="107172" y="0"/>
+            <a:ext cx="8195247" cy="0"/>
+          </a:xfrm>
+          <a:prstGeom prst="line">
+            <a:avLst/>
+          </a:prstGeom>
+          <a:noFill/>
+          <a:ln w="28575" cap="flat" cmpd="sng" algn="ctr">
+            <a:solidFill>
+              <a:srgbClr val="92D050"/>
+            </a:solidFill>
+            <a:prstDash val="solid"/>
+          </a:ln>
+          <a:effectLst/>
+        </p:spPr>
+      </p:cxnSp>
+      <p:cxnSp>
+        <p:nvCxnSpPr>
+          <p:cNvPr id="31" name="Connecteur droit 30"/>
+          <p:cNvCxnSpPr/>
+          <p:nvPr/>
+        </p:nvCxnSpPr>
+        <p:spPr>
+          <a:xfrm>
+            <a:off x="107172" y="1043647"/>
+            <a:ext cx="486310" cy="0"/>
+          </a:xfrm>
+          <a:prstGeom prst="line">
+            <a:avLst/>
+          </a:prstGeom>
+          <a:noFill/>
+          <a:ln w="28575" cap="flat" cmpd="sng" algn="ctr">
+            <a:solidFill>
+              <a:srgbClr val="92D050"/>
+            </a:solidFill>
+            <a:prstDash val="solid"/>
+            <a:headEnd type="none" w="med" len="med"/>
+            <a:tailEnd type="arrow" w="med" len="med"/>
+          </a:ln>
+          <a:effectLst/>
+        </p:spPr>
+      </p:cxnSp>
+      <p:cxnSp>
+        <p:nvCxnSpPr>
+          <p:cNvPr id="32" name="Connecteur droit 31"/>
+          <p:cNvCxnSpPr/>
+          <p:nvPr/>
+        </p:nvCxnSpPr>
+        <p:spPr>
+          <a:xfrm flipV="1">
+            <a:off x="107172" y="0"/>
+            <a:ext cx="0" cy="1043648"/>
+          </a:xfrm>
+          <a:prstGeom prst="line">
+            <a:avLst/>
+          </a:prstGeom>
+          <a:noFill/>
+          <a:ln w="28575" cap="flat" cmpd="sng" algn="ctr">
+            <a:solidFill>
+              <a:srgbClr val="92D050"/>
+            </a:solidFill>
+            <a:prstDash val="solid"/>
+          </a:ln>
+          <a:effectLst/>
+        </p:spPr>
+      </p:cxnSp>
+      <p:cxnSp>
+        <p:nvCxnSpPr>
+          <p:cNvPr id="33" name="Connecteur droit 32"/>
+          <p:cNvCxnSpPr/>
+          <p:nvPr/>
+        </p:nvCxnSpPr>
+        <p:spPr>
+          <a:xfrm>
+            <a:off x="10512480" y="2121710"/>
+            <a:ext cx="409038" cy="2542"/>
+          </a:xfrm>
+          <a:prstGeom prst="line">
+            <a:avLst/>
+          </a:prstGeom>
+          <a:noFill/>
+          <a:ln w="28575" cap="flat" cmpd="sng" algn="ctr">
+            <a:solidFill>
+              <a:srgbClr val="C0504D">
+                <a:shade val="95000"/>
+                <a:satMod val="105000"/>
+              </a:srgbClr>
+            </a:solidFill>
+            <a:prstDash val="solid"/>
+            <a:headEnd type="none" w="med" len="med"/>
+            <a:tailEnd type="arrow" w="med" len="med"/>
+          </a:ln>
+          <a:effectLst/>
+        </p:spPr>
+      </p:cxnSp>
+      <p:sp>
+        <p:nvSpPr>
+          <p:cNvPr id="34" name="Flèche vers le bas 33"/>
+          <p:cNvSpPr/>
+          <p:nvPr/>
+        </p:nvSpPr>
+        <p:spPr>
+          <a:xfrm>
+            <a:off x="9499890" y="1066427"/>
+            <a:ext cx="405180" cy="819344"/>
+          </a:xfrm>
+          <a:prstGeom prst="downArrow">
+            <a:avLst/>
+          </a:prstGeom>
+          <a:solidFill>
+            <a:sysClr val="window" lastClr="FFFFFF"/>
+          </a:solidFill>
+          <a:ln w="25400" cap="flat" cmpd="sng" algn="ctr">
+            <a:solidFill>
+              <a:srgbClr val="C0504D"/>
+            </a:solidFill>
+            <a:prstDash val="solid"/>
+          </a:ln>
+          <a:effectLst/>
+        </p:spPr>
+        <p:txBody>
+          <a:bodyPr rtlCol="0" anchor="ctr"/>
+          <a:lstStyle/>
+          <a:p>
+            <a:pPr marL="0" marR="0" lvl="0" indent="0" algn="ctr" defTabSz="914400" eaLnBrk="1" fontAlgn="auto" latinLnBrk="0" hangingPunct="1">
+              <a:lnSpc>
+                <a:spcPct val="100000"/>
+              </a:lnSpc>
+              <a:spcBef>
+                <a:spcPts val="0"/>
+              </a:spcBef>
+              <a:spcAft>
+                <a:spcPts val="0"/>
+              </a:spcAft>
+              <a:buClrTx/>
+              <a:buSzTx/>
+              <a:buFontTx/>
+              <a:buNone/>
+              <a:tabLst/>
+              <a:defRPr/>
+            </a:pPr>
+            <a:endParaRPr kumimoji="0" lang="fr-FR" sz="1600" b="0" i="0" u="none" strike="noStrike" kern="0" cap="none" spc="0" normalizeH="0" baseline="0" noProof="0" smtClean="0">
+              <a:ln>
+                <a:noFill/>
+              </a:ln>
+              <a:solidFill>
+                <a:prstClr val="black"/>
+              </a:solidFill>
+              <a:effectLst/>
+              <a:uLnTx/>
+              <a:uFillTx/>
+              <a:latin typeface="Calibri"/>
+              <a:ea typeface="+mn-ea"/>
+              <a:cs typeface="+mn-cs"/>
+            </a:endParaRPr>
+          </a:p>
+        </p:txBody>
+      </p:sp>
+      <p:sp>
+        <p:nvSpPr>
+          <p:cNvPr id="35" name="Rectangle 34"/>
+          <p:cNvSpPr/>
+          <p:nvPr/>
+        </p:nvSpPr>
+        <p:spPr>
+          <a:xfrm>
+            <a:off x="107172" y="4941168"/>
+            <a:ext cx="1445293" cy="819344"/>
+          </a:xfrm>
+          <a:prstGeom prst="rect">
+            <a:avLst/>
+          </a:prstGeom>
+          <a:solidFill>
+            <a:sysClr val="window" lastClr="FFFFFF"/>
+          </a:solidFill>
+          <a:ln w="9525" cap="flat" cmpd="sng" algn="ctr">
+            <a:solidFill>
+              <a:srgbClr val="C0504D"/>
+            </a:solidFill>
+            <a:prstDash val="solid"/>
+          </a:ln>
+          <a:effectLst/>
+        </p:spPr>
+        <p:txBody>
+          <a:bodyPr rtlCol="0" anchor="ctr"/>
+          <a:lstStyle/>
+          <a:p>
+            <a:pPr marL="0" marR="0" lvl="0" indent="0" algn="ctr" defTabSz="914400" eaLnBrk="1" fontAlgn="auto" latinLnBrk="0" hangingPunct="1">
+              <a:lnSpc>
+                <a:spcPct val="100000"/>
+              </a:lnSpc>
+              <a:spcBef>
+                <a:spcPts val="0"/>
+              </a:spcBef>
+              <a:spcAft>
+                <a:spcPts val="0"/>
+              </a:spcAft>
+              <a:buClrTx/>
+              <a:buSzTx/>
+              <a:buFontTx/>
+              <a:buNone/>
+              <a:tabLst/>
+              <a:defRPr/>
+            </a:pPr>
+            <a:r>
+              <a:rPr kumimoji="0" lang="fr-FR" sz="1600" b="1" i="0" u="none" strike="noStrike" kern="0" cap="none" spc="0" normalizeH="0" baseline="0" noProof="0" dirty="0" smtClean="0">
+                <a:ln>
+                  <a:noFill/>
+                </a:ln>
+                <a:solidFill>
+                  <a:srgbClr val="C00000"/>
+                </a:solidFill>
+                <a:effectLst/>
+                <a:uLnTx/>
+                <a:uFillTx/>
+                <a:latin typeface="Calibri"/>
+                <a:ea typeface="+mn-ea"/>
+                <a:cs typeface="+mn-cs"/>
+              </a:rPr>
+              <a:t>Energie d’entrée - Unité</a:t>
+            </a:r>
+          </a:p>
+        </p:txBody>
+      </p:sp>
+      <p:cxnSp>
+        <p:nvCxnSpPr>
+          <p:cNvPr id="36" name="Connecteur droit 35"/>
+          <p:cNvCxnSpPr/>
+          <p:nvPr/>
+        </p:nvCxnSpPr>
+        <p:spPr>
+          <a:xfrm flipV="1">
+            <a:off x="259572" y="3412199"/>
+            <a:ext cx="0" cy="1528969"/>
+          </a:xfrm>
+          <a:prstGeom prst="line">
+            <a:avLst/>
+          </a:prstGeom>
+          <a:noFill/>
+          <a:ln w="9525" cap="flat" cmpd="sng" algn="ctr">
+            <a:solidFill>
+              <a:srgbClr val="C0504D">
+                <a:shade val="95000"/>
+                <a:satMod val="105000"/>
+              </a:srgbClr>
+            </a:solidFill>
+            <a:prstDash val="solid"/>
+          </a:ln>
+          <a:effectLst/>
+        </p:spPr>
+      </p:cxnSp>
+      <p:sp>
+        <p:nvSpPr>
+          <p:cNvPr id="37" name="Rectangle 36"/>
+          <p:cNvSpPr/>
+          <p:nvPr/>
+        </p:nvSpPr>
+        <p:spPr>
+          <a:xfrm>
+            <a:off x="2304237" y="4941168"/>
+            <a:ext cx="1445293" cy="409672"/>
+          </a:xfrm>
+          <a:prstGeom prst="rect">
+            <a:avLst/>
+          </a:prstGeom>
+          <a:solidFill>
+            <a:sysClr val="window" lastClr="FFFFFF"/>
+          </a:solidFill>
+          <a:ln w="9525" cap="flat" cmpd="sng" algn="ctr">
+            <a:solidFill>
+              <a:srgbClr val="C0504D"/>
+            </a:solidFill>
+            <a:prstDash val="solid"/>
+          </a:ln>
+          <a:effectLst/>
+        </p:spPr>
+        <p:txBody>
+          <a:bodyPr rtlCol="0" anchor="ctr"/>
+          <a:lstStyle/>
+          <a:p>
+            <a:pPr marL="0" marR="0" lvl="0" indent="0" algn="ctr" defTabSz="914400" eaLnBrk="1" fontAlgn="auto" latinLnBrk="0" hangingPunct="1">
+              <a:lnSpc>
+                <a:spcPct val="100000"/>
+              </a:lnSpc>
+              <a:spcBef>
+                <a:spcPts val="0"/>
+              </a:spcBef>
+              <a:spcAft>
+                <a:spcPts val="0"/>
+              </a:spcAft>
+              <a:buClrTx/>
+              <a:buSzTx/>
+              <a:buFontTx/>
+              <a:buNone/>
+              <a:tabLst/>
+              <a:defRPr/>
+            </a:pPr>
+            <a:r>
+              <a:rPr kumimoji="0" lang="fr-FR" sz="1400" b="0" i="0" u="none" strike="noStrike" kern="0" cap="none" spc="0" normalizeH="0" baseline="0" noProof="0" dirty="0" smtClean="0">
+                <a:ln>
+                  <a:noFill/>
+                </a:ln>
+                <a:solidFill>
+                  <a:prstClr val="black"/>
+                </a:solidFill>
+                <a:effectLst/>
+                <a:uLnTx/>
+                <a:uFillTx/>
+                <a:latin typeface="Calibri"/>
+                <a:ea typeface="+mn-ea"/>
+                <a:cs typeface="+mn-cs"/>
+              </a:rPr>
+              <a:t>Energie - Unité</a:t>
+            </a:r>
+          </a:p>
+        </p:txBody>
+      </p:sp>
+      <p:cxnSp>
+        <p:nvCxnSpPr>
+          <p:cNvPr id="38" name="Connecteur droit 37"/>
+          <p:cNvCxnSpPr/>
+          <p:nvPr/>
+        </p:nvCxnSpPr>
+        <p:spPr>
+          <a:xfrm flipV="1">
+            <a:off x="2456637" y="3412199"/>
+            <a:ext cx="0" cy="1528969"/>
+          </a:xfrm>
+          <a:prstGeom prst="line">
+            <a:avLst/>
+          </a:prstGeom>
+          <a:noFill/>
+          <a:ln w="9525" cap="flat" cmpd="sng" algn="ctr">
+            <a:solidFill>
+              <a:srgbClr val="C0504D">
+                <a:shade val="95000"/>
+                <a:satMod val="105000"/>
+              </a:srgbClr>
+            </a:solidFill>
+            <a:prstDash val="solid"/>
+          </a:ln>
+          <a:effectLst/>
+        </p:spPr>
+      </p:cxnSp>
+      <p:sp>
+        <p:nvSpPr>
+          <p:cNvPr id="39" name="Rectangle 38"/>
+          <p:cNvSpPr/>
+          <p:nvPr/>
+        </p:nvSpPr>
+        <p:spPr>
+          <a:xfrm>
+            <a:off x="4409624" y="4941168"/>
+            <a:ext cx="1445293" cy="409672"/>
+          </a:xfrm>
+          <a:prstGeom prst="rect">
+            <a:avLst/>
+          </a:prstGeom>
+          <a:solidFill>
+            <a:sysClr val="window" lastClr="FFFFFF"/>
+          </a:solidFill>
+          <a:ln w="9525" cap="flat" cmpd="sng" algn="ctr">
+            <a:solidFill>
+              <a:srgbClr val="C0504D"/>
+            </a:solidFill>
+            <a:prstDash val="solid"/>
+          </a:ln>
+          <a:effectLst/>
+        </p:spPr>
+        <p:txBody>
+          <a:bodyPr rtlCol="0" anchor="ctr"/>
+          <a:lstStyle/>
+          <a:p>
+            <a:pPr marL="0" marR="0" lvl="0" indent="0" algn="ctr" defTabSz="914400" eaLnBrk="1" fontAlgn="auto" latinLnBrk="0" hangingPunct="1">
+              <a:lnSpc>
+                <a:spcPct val="100000"/>
+              </a:lnSpc>
+              <a:spcBef>
+                <a:spcPts val="0"/>
+              </a:spcBef>
+              <a:spcAft>
+                <a:spcPts val="0"/>
+              </a:spcAft>
+              <a:buClrTx/>
+              <a:buSzTx/>
+              <a:buFontTx/>
+              <a:buNone/>
+              <a:tabLst/>
+              <a:defRPr/>
+            </a:pPr>
+            <a:r>
+              <a:rPr kumimoji="0" lang="fr-FR" sz="1400" b="0" i="0" u="none" strike="noStrike" kern="0" cap="none" spc="0" normalizeH="0" baseline="0" noProof="0" dirty="0" smtClean="0">
+                <a:ln>
+                  <a:noFill/>
+                </a:ln>
+                <a:solidFill>
+                  <a:prstClr val="black"/>
+                </a:solidFill>
+                <a:effectLst/>
+                <a:uLnTx/>
+                <a:uFillTx/>
+                <a:latin typeface="Calibri"/>
+                <a:ea typeface="+mn-ea"/>
+                <a:cs typeface="+mn-cs"/>
+              </a:rPr>
+              <a:t>Energie - Unité</a:t>
+            </a:r>
+          </a:p>
+        </p:txBody>
+      </p:sp>
+      <p:cxnSp>
+        <p:nvCxnSpPr>
+          <p:cNvPr id="40" name="Connecteur droit 39"/>
+          <p:cNvCxnSpPr/>
+          <p:nvPr/>
+        </p:nvCxnSpPr>
+        <p:spPr>
+          <a:xfrm flipV="1">
+            <a:off x="4562024" y="3412199"/>
+            <a:ext cx="0" cy="1528969"/>
+          </a:xfrm>
+          <a:prstGeom prst="line">
+            <a:avLst/>
+          </a:prstGeom>
+          <a:noFill/>
+          <a:ln w="9525" cap="flat" cmpd="sng" algn="ctr">
+            <a:solidFill>
+              <a:srgbClr val="C0504D">
+                <a:shade val="95000"/>
+                <a:satMod val="105000"/>
+              </a:srgbClr>
+            </a:solidFill>
+            <a:prstDash val="solid"/>
+          </a:ln>
+          <a:effectLst/>
+        </p:spPr>
+      </p:cxnSp>
+      <p:sp>
+        <p:nvSpPr>
+          <p:cNvPr id="41" name="Rectangle 40"/>
+          <p:cNvSpPr/>
+          <p:nvPr/>
+        </p:nvSpPr>
+        <p:spPr>
+          <a:xfrm>
+            <a:off x="6455845" y="4939897"/>
+            <a:ext cx="1445293" cy="410943"/>
+          </a:xfrm>
+          <a:prstGeom prst="rect">
+            <a:avLst/>
+          </a:prstGeom>
+          <a:solidFill>
+            <a:sysClr val="window" lastClr="FFFFFF"/>
+          </a:solidFill>
+          <a:ln w="9525" cap="flat" cmpd="sng" algn="ctr">
+            <a:solidFill>
+              <a:srgbClr val="C0504D"/>
+            </a:solidFill>
+            <a:prstDash val="solid"/>
+          </a:ln>
+          <a:effectLst/>
+        </p:spPr>
+        <p:txBody>
+          <a:bodyPr rtlCol="0" anchor="ctr"/>
+          <a:lstStyle/>
+          <a:p>
+            <a:pPr marL="0" marR="0" lvl="0" indent="0" algn="ctr" defTabSz="914400" eaLnBrk="1" fontAlgn="auto" latinLnBrk="0" hangingPunct="1">
+              <a:lnSpc>
+                <a:spcPct val="100000"/>
+              </a:lnSpc>
+              <a:spcBef>
+                <a:spcPts val="0"/>
+              </a:spcBef>
+              <a:spcAft>
+                <a:spcPts val="0"/>
+              </a:spcAft>
+              <a:buClrTx/>
+              <a:buSzTx/>
+              <a:buFontTx/>
+              <a:buNone/>
+              <a:tabLst/>
+              <a:defRPr/>
+            </a:pPr>
+            <a:r>
+              <a:rPr kumimoji="0" lang="fr-FR" sz="1400" b="0" i="0" u="none" strike="noStrike" kern="0" cap="none" spc="0" normalizeH="0" baseline="0" noProof="0" dirty="0" smtClean="0">
+                <a:ln>
+                  <a:noFill/>
+                </a:ln>
+                <a:solidFill>
+                  <a:prstClr val="black"/>
+                </a:solidFill>
+                <a:effectLst/>
+                <a:uLnTx/>
+                <a:uFillTx/>
+                <a:latin typeface="Calibri"/>
+                <a:ea typeface="+mn-ea"/>
+                <a:cs typeface="+mn-cs"/>
+              </a:rPr>
+              <a:t>Energie - Unité</a:t>
+            </a:r>
+          </a:p>
+        </p:txBody>
+      </p:sp>
+      <p:cxnSp>
+        <p:nvCxnSpPr>
+          <p:cNvPr id="42" name="Connecteur droit 41"/>
+          <p:cNvCxnSpPr/>
+          <p:nvPr/>
+        </p:nvCxnSpPr>
+        <p:spPr>
+          <a:xfrm flipV="1">
+            <a:off x="6608245" y="3410928"/>
+            <a:ext cx="0" cy="1528969"/>
+          </a:xfrm>
+          <a:prstGeom prst="line">
+            <a:avLst/>
+          </a:prstGeom>
+          <a:noFill/>
+          <a:ln w="9525" cap="flat" cmpd="sng" algn="ctr">
+            <a:solidFill>
+              <a:srgbClr val="C0504D">
+                <a:shade val="95000"/>
+                <a:satMod val="105000"/>
+              </a:srgbClr>
+            </a:solidFill>
+            <a:prstDash val="solid"/>
+          </a:ln>
+          <a:effectLst/>
+        </p:spPr>
+      </p:cxnSp>
+      <p:sp>
+        <p:nvSpPr>
+          <p:cNvPr id="43" name="Rectangle 42"/>
+          <p:cNvSpPr/>
+          <p:nvPr/>
+        </p:nvSpPr>
+        <p:spPr>
+          <a:xfrm>
+            <a:off x="3626597" y="1940569"/>
+            <a:ext cx="1482684" cy="409672"/>
+          </a:xfrm>
+          <a:prstGeom prst="rect">
+            <a:avLst/>
+          </a:prstGeom>
+          <a:noFill/>
+          <a:ln w="9525" cap="flat" cmpd="sng" algn="ctr">
+            <a:noFill/>
+            <a:prstDash val="solid"/>
+          </a:ln>
+          <a:effectLst/>
+        </p:spPr>
+        <p:txBody>
+          <a:bodyPr rtlCol="0" anchor="ctr"/>
+          <a:lstStyle/>
+          <a:p>
+            <a:pPr marL="0" marR="0" lvl="0" indent="0" algn="ctr" defTabSz="914400" eaLnBrk="1" fontAlgn="auto" latinLnBrk="0" hangingPunct="1">
+              <a:lnSpc>
+                <a:spcPct val="100000"/>
+              </a:lnSpc>
+              <a:spcBef>
+                <a:spcPts val="0"/>
+              </a:spcBef>
+              <a:spcAft>
+                <a:spcPts val="0"/>
+              </a:spcAft>
+              <a:buClrTx/>
+              <a:buSzTx/>
+              <a:buFontTx/>
+              <a:buNone/>
+              <a:tabLst/>
+              <a:defRPr/>
+            </a:pPr>
+            <a:r>
+              <a:rPr kumimoji="0" lang="fr-FR" sz="1600" b="1" i="0" u="none" strike="noStrike" kern="0" cap="none" spc="0" normalizeH="0" baseline="0" noProof="0" dirty="0" smtClean="0">
+                <a:ln>
+                  <a:noFill/>
+                </a:ln>
+                <a:solidFill>
+                  <a:srgbClr val="C00000"/>
+                </a:solidFill>
+                <a:effectLst/>
+                <a:uLnTx/>
+                <a:uFillTx/>
+                <a:latin typeface="Calibri"/>
+                <a:ea typeface="+mn-ea"/>
+                <a:cs typeface="+mn-cs"/>
+              </a:rPr>
+              <a:t>Ordres</a:t>
+            </a:r>
+          </a:p>
+        </p:txBody>
+      </p:sp>
+      <p:sp>
+        <p:nvSpPr>
+          <p:cNvPr id="44" name="Rectangle 43"/>
+          <p:cNvSpPr/>
+          <p:nvPr/>
+        </p:nvSpPr>
+        <p:spPr>
+          <a:xfrm>
+            <a:off x="8114035" y="116632"/>
+            <a:ext cx="1482684" cy="949795"/>
+          </a:xfrm>
+          <a:prstGeom prst="rect">
+            <a:avLst/>
+          </a:prstGeom>
+          <a:noFill/>
+          <a:ln w="9525" cap="flat" cmpd="sng" algn="ctr">
+            <a:noFill/>
+            <a:prstDash val="solid"/>
+          </a:ln>
+          <a:effectLst/>
+        </p:spPr>
+        <p:txBody>
+          <a:bodyPr rtlCol="0" anchor="ctr"/>
+          <a:lstStyle/>
+          <a:p>
+            <a:pPr marL="0" marR="0" lvl="0" indent="0" algn="ctr" defTabSz="914400" eaLnBrk="1" fontAlgn="auto" latinLnBrk="0" hangingPunct="1">
+              <a:lnSpc>
+                <a:spcPct val="100000"/>
+              </a:lnSpc>
+              <a:spcBef>
+                <a:spcPts val="0"/>
+              </a:spcBef>
+              <a:spcAft>
+                <a:spcPts val="0"/>
+              </a:spcAft>
+              <a:buClrTx/>
+              <a:buSzTx/>
+              <a:buFontTx/>
+              <a:buNone/>
+              <a:tabLst/>
+              <a:defRPr/>
+            </a:pPr>
+            <a:r>
+              <a:rPr kumimoji="0" lang="fr-FR" sz="1400" b="1" i="0" u="none" strike="noStrike" kern="0" cap="none" spc="0" normalizeH="0" baseline="0" noProof="0" dirty="0" smtClean="0">
+                <a:ln>
+                  <a:noFill/>
+                </a:ln>
+                <a:solidFill>
+                  <a:srgbClr val="92D050"/>
+                </a:solidFill>
+                <a:effectLst/>
+                <a:uLnTx/>
+                <a:uFillTx/>
+                <a:latin typeface="Calibri"/>
+                <a:ea typeface="+mn-ea"/>
+                <a:cs typeface="+mn-cs"/>
+              </a:rPr>
+              <a:t>Grandeurs physiques à acquérir</a:t>
+            </a:r>
+          </a:p>
+        </p:txBody>
+      </p:sp>
+      <p:sp>
+        <p:nvSpPr>
+          <p:cNvPr id="45" name="Rectangle 44"/>
+          <p:cNvSpPr/>
+          <p:nvPr/>
+        </p:nvSpPr>
+        <p:spPr>
+          <a:xfrm>
+            <a:off x="6823727" y="305976"/>
+            <a:ext cx="1452974" cy="949795"/>
+          </a:xfrm>
+          <a:prstGeom prst="rect">
+            <a:avLst/>
+          </a:prstGeom>
+          <a:noFill/>
+          <a:ln w="9525" cap="flat" cmpd="sng" algn="ctr">
+            <a:noFill/>
+            <a:prstDash val="solid"/>
+          </a:ln>
+          <a:effectLst/>
+        </p:spPr>
+        <p:txBody>
+          <a:bodyPr rtlCol="0" anchor="ctr"/>
+          <a:lstStyle/>
+          <a:p>
+            <a:pPr marL="0" marR="0" lvl="0" indent="0" algn="ctr" defTabSz="914400" eaLnBrk="1" fontAlgn="auto" latinLnBrk="0" hangingPunct="1">
+              <a:lnSpc>
+                <a:spcPct val="100000"/>
+              </a:lnSpc>
+              <a:spcBef>
+                <a:spcPts val="0"/>
+              </a:spcBef>
+              <a:spcAft>
+                <a:spcPts val="0"/>
+              </a:spcAft>
+              <a:buClrTx/>
+              <a:buSzTx/>
+              <a:buFontTx/>
+              <a:buNone/>
+              <a:tabLst/>
+              <a:defRPr/>
+            </a:pPr>
+            <a:r>
+              <a:rPr kumimoji="0" lang="fr-FR" sz="1200" b="1" i="0" u="none" strike="noStrike" kern="0" cap="none" spc="0" normalizeH="0" baseline="0" noProof="0" dirty="0" smtClean="0">
+                <a:ln>
+                  <a:noFill/>
+                </a:ln>
+                <a:solidFill>
+                  <a:srgbClr val="00B0F0"/>
+                </a:solidFill>
+                <a:effectLst/>
+                <a:uLnTx/>
+                <a:uFillTx/>
+                <a:latin typeface="Calibri"/>
+                <a:ea typeface="+mn-ea"/>
+                <a:cs typeface="+mn-cs"/>
+              </a:rPr>
+              <a:t>Infos destinées à d’autres interfaces H/M</a:t>
+            </a:r>
+          </a:p>
+        </p:txBody>
+      </p:sp>
+      <p:sp>
+        <p:nvSpPr>
+          <p:cNvPr id="46" name="Rectangle 45"/>
+          <p:cNvSpPr/>
+          <p:nvPr/>
+        </p:nvSpPr>
+        <p:spPr>
+          <a:xfrm>
+            <a:off x="-1188640" y="1052736"/>
+            <a:ext cx="1452974" cy="949795"/>
+          </a:xfrm>
+          <a:prstGeom prst="rect">
+            <a:avLst/>
+          </a:prstGeom>
+          <a:noFill/>
+          <a:ln w="9525" cap="flat" cmpd="sng" algn="ctr">
+            <a:noFill/>
+            <a:prstDash val="solid"/>
+          </a:ln>
+          <a:effectLst/>
+        </p:spPr>
+        <p:txBody>
+          <a:bodyPr rtlCol="0" anchor="ctr"/>
+          <a:lstStyle/>
+          <a:p>
+            <a:pPr marL="0" marR="0" lvl="0" indent="0" algn="ctr" defTabSz="914400" eaLnBrk="1" fontAlgn="auto" latinLnBrk="0" hangingPunct="1">
+              <a:lnSpc>
+                <a:spcPct val="100000"/>
+              </a:lnSpc>
+              <a:spcBef>
+                <a:spcPts val="0"/>
+              </a:spcBef>
+              <a:spcAft>
+                <a:spcPts val="0"/>
+              </a:spcAft>
+              <a:buClrTx/>
+              <a:buSzTx/>
+              <a:buFontTx/>
+              <a:buNone/>
+              <a:tabLst/>
+              <a:defRPr/>
+            </a:pPr>
+            <a:r>
+              <a:rPr kumimoji="0" lang="fr-FR" sz="1200" b="1" i="0" u="none" strike="noStrike" kern="0" cap="none" spc="0" normalizeH="0" baseline="0" noProof="0" dirty="0" smtClean="0">
+                <a:ln>
+                  <a:noFill/>
+                </a:ln>
+                <a:solidFill>
+                  <a:srgbClr val="00B0F0"/>
+                </a:solidFill>
+                <a:effectLst/>
+                <a:uLnTx/>
+                <a:uFillTx/>
+                <a:latin typeface="Calibri"/>
+                <a:ea typeface="+mn-ea"/>
+                <a:cs typeface="+mn-cs"/>
+              </a:rPr>
+              <a:t>Infos issues de d’autres interfaces H/M</a:t>
+            </a:r>
+          </a:p>
+        </p:txBody>
+      </p:sp>
+      <p:sp>
+        <p:nvSpPr>
+          <p:cNvPr id="47" name="Rectangle 46"/>
+          <p:cNvSpPr/>
+          <p:nvPr/>
+        </p:nvSpPr>
+        <p:spPr>
+          <a:xfrm>
+            <a:off x="3120330" y="5770523"/>
+            <a:ext cx="2952530" cy="474897"/>
+          </a:xfrm>
+          <a:prstGeom prst="rect">
+            <a:avLst/>
+          </a:prstGeom>
+          <a:noFill/>
+          <a:ln w="9525" cap="flat" cmpd="sng" algn="ctr">
+            <a:noFill/>
+            <a:prstDash val="solid"/>
+          </a:ln>
+          <a:effectLst/>
+        </p:spPr>
+        <p:txBody>
+          <a:bodyPr rtlCol="0" anchor="ctr"/>
+          <a:lstStyle/>
+          <a:p>
+            <a:pPr marL="0" marR="0" lvl="0" indent="0" algn="ctr" defTabSz="914400" eaLnBrk="1" fontAlgn="auto" latinLnBrk="0" hangingPunct="1">
+              <a:lnSpc>
+                <a:spcPct val="100000"/>
+              </a:lnSpc>
+              <a:spcBef>
+                <a:spcPts val="0"/>
+              </a:spcBef>
+              <a:spcAft>
+                <a:spcPts val="0"/>
+              </a:spcAft>
+              <a:buClrTx/>
+              <a:buSzTx/>
+              <a:buFontTx/>
+              <a:buNone/>
+              <a:tabLst/>
+              <a:defRPr/>
+            </a:pPr>
+            <a:r>
+              <a:rPr kumimoji="0" lang="fr-FR" sz="1200" b="1" i="0" u="none" strike="noStrike" kern="0" cap="none" spc="0" normalizeH="0" baseline="0" noProof="0" dirty="0" smtClean="0">
+                <a:ln>
+                  <a:noFill/>
+                </a:ln>
+                <a:solidFill>
+                  <a:srgbClr val="00B0F0"/>
+                </a:solidFill>
+                <a:effectLst/>
+                <a:uLnTx/>
+                <a:uFillTx/>
+                <a:latin typeface="Calibri"/>
+                <a:ea typeface="+mn-ea"/>
+                <a:cs typeface="+mn-cs"/>
+              </a:rPr>
+              <a:t>H/M : Homme – Machine </a:t>
+            </a:r>
+          </a:p>
+        </p:txBody>
+      </p:sp>
+      <p:sp>
+        <p:nvSpPr>
+          <p:cNvPr id="48" name="Rectangle 47"/>
+          <p:cNvSpPr/>
+          <p:nvPr/>
+        </p:nvSpPr>
+        <p:spPr>
+          <a:xfrm>
+            <a:off x="8961138" y="591529"/>
+            <a:ext cx="1482684" cy="409672"/>
+          </a:xfrm>
+          <a:prstGeom prst="rect">
+            <a:avLst/>
+          </a:prstGeom>
+          <a:noFill/>
+          <a:ln w="9525" cap="flat" cmpd="sng" algn="ctr">
+            <a:noFill/>
+            <a:prstDash val="solid"/>
+          </a:ln>
+          <a:effectLst/>
+        </p:spPr>
+        <p:txBody>
+          <a:bodyPr rtlCol="0" anchor="ctr"/>
+          <a:lstStyle/>
+          <a:p>
+            <a:pPr marL="0" marR="0" lvl="0" indent="0" algn="ctr" defTabSz="914400" eaLnBrk="1" fontAlgn="auto" latinLnBrk="0" hangingPunct="1">
+              <a:lnSpc>
+                <a:spcPct val="100000"/>
+              </a:lnSpc>
+              <a:spcBef>
+                <a:spcPts val="0"/>
+              </a:spcBef>
+              <a:spcAft>
+                <a:spcPts val="0"/>
+              </a:spcAft>
+              <a:buClrTx/>
+              <a:buSzTx/>
+              <a:buFontTx/>
+              <a:buNone/>
+              <a:tabLst/>
+              <a:defRPr/>
+            </a:pPr>
+            <a:r>
+              <a:rPr kumimoji="0" lang="fr-FR" sz="1600" b="1" i="0" u="none" strike="noStrike" kern="0" cap="none" spc="0" normalizeH="0" baseline="0" noProof="0" dirty="0" smtClean="0">
+                <a:ln>
+                  <a:noFill/>
+                </a:ln>
+                <a:solidFill>
+                  <a:srgbClr val="C00000"/>
+                </a:solidFill>
+                <a:effectLst/>
+                <a:uLnTx/>
+                <a:uFillTx/>
+                <a:latin typeface="Calibri"/>
+                <a:ea typeface="+mn-ea"/>
+                <a:cs typeface="+mn-cs"/>
+              </a:rPr>
+              <a:t>MOE</a:t>
+            </a:r>
+          </a:p>
+        </p:txBody>
+      </p:sp>
+      <p:sp>
+        <p:nvSpPr>
+          <p:cNvPr id="49" name="Rectangle 48"/>
+          <p:cNvSpPr/>
+          <p:nvPr/>
+        </p:nvSpPr>
+        <p:spPr>
+          <a:xfrm>
+            <a:off x="8687961" y="5760512"/>
+            <a:ext cx="2029038" cy="409672"/>
+          </a:xfrm>
+          <a:prstGeom prst="rect">
+            <a:avLst/>
+          </a:prstGeom>
+          <a:noFill/>
+          <a:ln w="9525" cap="flat" cmpd="sng" algn="ctr">
+            <a:noFill/>
+            <a:prstDash val="solid"/>
+          </a:ln>
+          <a:effectLst/>
+        </p:spPr>
+        <p:txBody>
+          <a:bodyPr rtlCol="0" anchor="ctr"/>
+          <a:lstStyle/>
+          <a:p>
+            <a:pPr marL="0" marR="0" lvl="0" indent="0" algn="ctr" defTabSz="914400" eaLnBrk="1" fontAlgn="auto" latinLnBrk="0" hangingPunct="1">
+              <a:lnSpc>
+                <a:spcPct val="100000"/>
+              </a:lnSpc>
+              <a:spcBef>
+                <a:spcPts val="0"/>
+              </a:spcBef>
+              <a:spcAft>
+                <a:spcPts val="0"/>
+              </a:spcAft>
+              <a:buClrTx/>
+              <a:buSzTx/>
+              <a:buFontTx/>
+              <a:buNone/>
+              <a:tabLst/>
+              <a:defRPr/>
+            </a:pPr>
+            <a:r>
+              <a:rPr kumimoji="0" lang="fr-FR" sz="1600" b="1" i="0" u="none" strike="noStrike" kern="0" cap="none" spc="0" normalizeH="0" baseline="0" noProof="0" dirty="0" smtClean="0">
+                <a:ln>
+                  <a:noFill/>
+                </a:ln>
+                <a:solidFill>
+                  <a:srgbClr val="C00000"/>
+                </a:solidFill>
+                <a:effectLst/>
+                <a:uLnTx/>
+                <a:uFillTx/>
+                <a:latin typeface="Calibri"/>
+                <a:ea typeface="+mn-ea"/>
+                <a:cs typeface="+mn-cs"/>
+              </a:rPr>
+              <a:t>MOS = MOE + VA</a:t>
+            </a:r>
+          </a:p>
+        </p:txBody>
+      </p:sp>
+    </p:spTree>
   </p:cSld>
   <p:clrMapOvr>
     <a:masterClrMapping/>
